--- a/lecture04/웹 기초 4강.pptx
+++ b/lecture04/웹 기초 4강.pptx
@@ -7,9 +7,15 @@
   <p:sldIdLst>
     <p:sldId id="256" r:id="rId2"/>
     <p:sldId id="258" r:id="rId3"/>
-    <p:sldId id="260" r:id="rId4"/>
-    <p:sldId id="261" r:id="rId5"/>
-    <p:sldId id="259" r:id="rId6"/>
+    <p:sldId id="262" r:id="rId4"/>
+    <p:sldId id="263" r:id="rId5"/>
+    <p:sldId id="260" r:id="rId6"/>
+    <p:sldId id="264" r:id="rId7"/>
+    <p:sldId id="261" r:id="rId8"/>
+    <p:sldId id="259" r:id="rId9"/>
+    <p:sldId id="265" r:id="rId10"/>
+    <p:sldId id="266" r:id="rId11"/>
+    <p:sldId id="267" r:id="rId12"/>
   </p:sldIdLst>
   <p:sldSz cx="12192000" cy="6858000"/>
   <p:notesSz cx="6858000" cy="9144000"/>
@@ -209,7 +215,7 @@
           </a:lstStyle>
           <a:p>
             <a:r>
-              <a:rPr lang="ko-KR" altLang="en-US" smtClean="0"/>
+              <a:rPr lang="ko-KR" altLang="en-US"/>
               <a:t>마스터 제목 스타일 편집</a:t>
             </a:r>
             <a:endParaRPr lang="en-US" dirty="0"/>
@@ -280,7 +286,7 @@
           </a:lstStyle>
           <a:p>
             <a:r>
-              <a:rPr lang="ko-KR" altLang="en-US" smtClean="0"/>
+              <a:rPr lang="ko-KR" altLang="en-US"/>
               <a:t>마스터 부제목 스타일 편집</a:t>
             </a:r>
             <a:endParaRPr lang="en-US" dirty="0"/>
@@ -312,7 +318,7 @@
           <a:p>
             <a:fld id="{96DFF08F-DC6B-4601-B491-B0F83F6DD2DA}" type="datetimeFigureOut">
               <a:rPr lang="en-US" dirty="0"/>
-              <a:t>5/14/2021</a:t>
+              <a:t>5/16/2021</a:t>
             </a:fld>
             <a:endParaRPr lang="en-US" dirty="0"/>
           </a:p>
@@ -452,7 +458,7 @@
           <a:lstStyle/>
           <a:p>
             <a:r>
-              <a:rPr lang="ko-KR" altLang="en-US" smtClean="0"/>
+              <a:rPr lang="ko-KR" altLang="en-US"/>
               <a:t>마스터 제목 스타일 편집</a:t>
             </a:r>
             <a:endParaRPr lang="en-US" dirty="0"/>
@@ -476,35 +482,35 @@
           <a:p>
             <a:pPr lvl="0"/>
             <a:r>
-              <a:rPr lang="ko-KR" altLang="en-US" smtClean="0"/>
+              <a:rPr lang="ko-KR" altLang="en-US"/>
               <a:t>마스터 텍스트 스타일을 편집합니다</a:t>
             </a:r>
           </a:p>
           <a:p>
             <a:pPr lvl="1"/>
             <a:r>
-              <a:rPr lang="ko-KR" altLang="en-US" smtClean="0"/>
+              <a:rPr lang="ko-KR" altLang="en-US"/>
               <a:t>둘째 수준</a:t>
             </a:r>
           </a:p>
           <a:p>
             <a:pPr lvl="2"/>
             <a:r>
-              <a:rPr lang="ko-KR" altLang="en-US" smtClean="0"/>
+              <a:rPr lang="ko-KR" altLang="en-US"/>
               <a:t>셋째 수준</a:t>
             </a:r>
           </a:p>
           <a:p>
             <a:pPr lvl="3"/>
             <a:r>
-              <a:rPr lang="ko-KR" altLang="en-US" smtClean="0"/>
+              <a:rPr lang="ko-KR" altLang="en-US"/>
               <a:t>넷째 수준</a:t>
             </a:r>
           </a:p>
           <a:p>
             <a:pPr lvl="4"/>
             <a:r>
-              <a:rPr lang="ko-KR" altLang="en-US" smtClean="0"/>
+              <a:rPr lang="ko-KR" altLang="en-US"/>
               <a:t>다섯째 수준</a:t>
             </a:r>
             <a:endParaRPr lang="en-US" dirty="0"/>
@@ -528,7 +534,7 @@
           <a:p>
             <a:fld id="{96DFF08F-DC6B-4601-B491-B0F83F6DD2DA}" type="datetimeFigureOut">
               <a:rPr lang="en-US" dirty="0"/>
-              <a:t>5/14/2021</a:t>
+              <a:t>5/16/2021</a:t>
             </a:fld>
             <a:endParaRPr lang="en-US" dirty="0"/>
           </a:p>
@@ -622,7 +628,7 @@
           <a:lstStyle/>
           <a:p>
             <a:r>
-              <a:rPr lang="ko-KR" altLang="en-US" smtClean="0"/>
+              <a:rPr lang="ko-KR" altLang="en-US"/>
               <a:t>마스터 제목 스타일 편집</a:t>
             </a:r>
             <a:endParaRPr lang="en-US" dirty="0"/>
@@ -651,35 +657,35 @@
           <a:p>
             <a:pPr lvl="0"/>
             <a:r>
-              <a:rPr lang="ko-KR" altLang="en-US" smtClean="0"/>
+              <a:rPr lang="ko-KR" altLang="en-US"/>
               <a:t>마스터 텍스트 스타일을 편집합니다</a:t>
             </a:r>
           </a:p>
           <a:p>
             <a:pPr lvl="1"/>
             <a:r>
-              <a:rPr lang="ko-KR" altLang="en-US" smtClean="0"/>
+              <a:rPr lang="ko-KR" altLang="en-US"/>
               <a:t>둘째 수준</a:t>
             </a:r>
           </a:p>
           <a:p>
             <a:pPr lvl="2"/>
             <a:r>
-              <a:rPr lang="ko-KR" altLang="en-US" smtClean="0"/>
+              <a:rPr lang="ko-KR" altLang="en-US"/>
               <a:t>셋째 수준</a:t>
             </a:r>
           </a:p>
           <a:p>
             <a:pPr lvl="3"/>
             <a:r>
-              <a:rPr lang="ko-KR" altLang="en-US" smtClean="0"/>
+              <a:rPr lang="ko-KR" altLang="en-US"/>
               <a:t>넷째 수준</a:t>
             </a:r>
           </a:p>
           <a:p>
             <a:pPr lvl="4"/>
             <a:r>
-              <a:rPr lang="ko-KR" altLang="en-US" smtClean="0"/>
+              <a:rPr lang="ko-KR" altLang="en-US"/>
               <a:t>다섯째 수준</a:t>
             </a:r>
             <a:endParaRPr lang="en-US" dirty="0"/>
@@ -703,7 +709,7 @@
           <a:p>
             <a:fld id="{96DFF08F-DC6B-4601-B491-B0F83F6DD2DA}" type="datetimeFigureOut">
               <a:rPr lang="en-US" dirty="0"/>
-              <a:t>5/14/2021</a:t>
+              <a:t>5/16/2021</a:t>
             </a:fld>
             <a:endParaRPr lang="en-US" dirty="0"/>
           </a:p>
@@ -792,7 +798,7 @@
           <a:lstStyle/>
           <a:p>
             <a:r>
-              <a:rPr lang="ko-KR" altLang="en-US" smtClean="0"/>
+              <a:rPr lang="ko-KR" altLang="en-US"/>
               <a:t>마스터 제목 스타일 편집</a:t>
             </a:r>
             <a:endParaRPr lang="en-US" dirty="0"/>
@@ -816,35 +822,35 @@
           <a:p>
             <a:pPr lvl="0"/>
             <a:r>
-              <a:rPr lang="ko-KR" altLang="en-US" smtClean="0"/>
+              <a:rPr lang="ko-KR" altLang="en-US"/>
               <a:t>마스터 텍스트 스타일을 편집합니다</a:t>
             </a:r>
           </a:p>
           <a:p>
             <a:pPr lvl="1"/>
             <a:r>
-              <a:rPr lang="ko-KR" altLang="en-US" smtClean="0"/>
+              <a:rPr lang="ko-KR" altLang="en-US"/>
               <a:t>둘째 수준</a:t>
             </a:r>
           </a:p>
           <a:p>
             <a:pPr lvl="2"/>
             <a:r>
-              <a:rPr lang="ko-KR" altLang="en-US" smtClean="0"/>
+              <a:rPr lang="ko-KR" altLang="en-US"/>
               <a:t>셋째 수준</a:t>
             </a:r>
           </a:p>
           <a:p>
             <a:pPr lvl="3"/>
             <a:r>
-              <a:rPr lang="ko-KR" altLang="en-US" smtClean="0"/>
+              <a:rPr lang="ko-KR" altLang="en-US"/>
               <a:t>넷째 수준</a:t>
             </a:r>
           </a:p>
           <a:p>
             <a:pPr lvl="4"/>
             <a:r>
-              <a:rPr lang="ko-KR" altLang="en-US" smtClean="0"/>
+              <a:rPr lang="ko-KR" altLang="en-US"/>
               <a:t>다섯째 수준</a:t>
             </a:r>
             <a:endParaRPr lang="en-US" dirty="0"/>
@@ -868,7 +874,7 @@
           <a:p>
             <a:fld id="{96DFF08F-DC6B-4601-B491-B0F83F6DD2DA}" type="datetimeFigureOut">
               <a:rPr lang="en-US" dirty="0"/>
-              <a:t>5/14/2021</a:t>
+              <a:t>5/16/2021</a:t>
             </a:fld>
             <a:endParaRPr lang="en-US" dirty="0"/>
           </a:p>
@@ -971,7 +977,7 @@
           </a:lstStyle>
           <a:p>
             <a:r>
-              <a:rPr lang="ko-KR" altLang="en-US" smtClean="0"/>
+              <a:rPr lang="ko-KR" altLang="en-US"/>
               <a:t>마스터 제목 스타일 편집</a:t>
             </a:r>
             <a:endParaRPr lang="en-US" dirty="0"/>
@@ -1091,7 +1097,7 @@
           <a:p>
             <a:pPr lvl="0"/>
             <a:r>
-              <a:rPr lang="ko-KR" altLang="en-US" smtClean="0"/>
+              <a:rPr lang="ko-KR" altLang="en-US"/>
               <a:t>마스터 텍스트 스타일을 편집합니다</a:t>
             </a:r>
           </a:p>
@@ -1114,7 +1120,7 @@
           <a:p>
             <a:fld id="{96DFF08F-DC6B-4601-B491-B0F83F6DD2DA}" type="datetimeFigureOut">
               <a:rPr lang="en-US" dirty="0"/>
-              <a:t>5/14/2021</a:t>
+              <a:t>5/16/2021</a:t>
             </a:fld>
             <a:endParaRPr lang="en-US" dirty="0"/>
           </a:p>
@@ -1238,7 +1244,7 @@
           <a:lstStyle/>
           <a:p>
             <a:r>
-              <a:rPr lang="ko-KR" altLang="en-US" smtClean="0"/>
+              <a:rPr lang="ko-KR" altLang="en-US"/>
               <a:t>마스터 제목 스타일 편집</a:t>
             </a:r>
             <a:endParaRPr lang="en-US" dirty="0"/>
@@ -1295,35 +1301,35 @@
           <a:p>
             <a:pPr lvl="0"/>
             <a:r>
-              <a:rPr lang="ko-KR" altLang="en-US" smtClean="0"/>
+              <a:rPr lang="ko-KR" altLang="en-US"/>
               <a:t>마스터 텍스트 스타일을 편집합니다</a:t>
             </a:r>
           </a:p>
           <a:p>
             <a:pPr lvl="1"/>
             <a:r>
-              <a:rPr lang="ko-KR" altLang="en-US" smtClean="0"/>
+              <a:rPr lang="ko-KR" altLang="en-US"/>
               <a:t>둘째 수준</a:t>
             </a:r>
           </a:p>
           <a:p>
             <a:pPr lvl="2"/>
             <a:r>
-              <a:rPr lang="ko-KR" altLang="en-US" smtClean="0"/>
+              <a:rPr lang="ko-KR" altLang="en-US"/>
               <a:t>셋째 수준</a:t>
             </a:r>
           </a:p>
           <a:p>
             <a:pPr lvl="3"/>
             <a:r>
-              <a:rPr lang="ko-KR" altLang="en-US" smtClean="0"/>
+              <a:rPr lang="ko-KR" altLang="en-US"/>
               <a:t>넷째 수준</a:t>
             </a:r>
           </a:p>
           <a:p>
             <a:pPr lvl="4"/>
             <a:r>
-              <a:rPr lang="ko-KR" altLang="en-US" smtClean="0"/>
+              <a:rPr lang="ko-KR" altLang="en-US"/>
               <a:t>다섯째 수준</a:t>
             </a:r>
             <a:endParaRPr lang="en-US" dirty="0"/>
@@ -1380,35 +1386,35 @@
           <a:p>
             <a:pPr lvl="0"/>
             <a:r>
-              <a:rPr lang="ko-KR" altLang="en-US" smtClean="0"/>
+              <a:rPr lang="ko-KR" altLang="en-US"/>
               <a:t>마스터 텍스트 스타일을 편집합니다</a:t>
             </a:r>
           </a:p>
           <a:p>
             <a:pPr lvl="1"/>
             <a:r>
-              <a:rPr lang="ko-KR" altLang="en-US" smtClean="0"/>
+              <a:rPr lang="ko-KR" altLang="en-US"/>
               <a:t>둘째 수준</a:t>
             </a:r>
           </a:p>
           <a:p>
             <a:pPr lvl="2"/>
             <a:r>
-              <a:rPr lang="ko-KR" altLang="en-US" smtClean="0"/>
+              <a:rPr lang="ko-KR" altLang="en-US"/>
               <a:t>셋째 수준</a:t>
             </a:r>
           </a:p>
           <a:p>
             <a:pPr lvl="3"/>
             <a:r>
-              <a:rPr lang="ko-KR" altLang="en-US" smtClean="0"/>
+              <a:rPr lang="ko-KR" altLang="en-US"/>
               <a:t>넷째 수준</a:t>
             </a:r>
           </a:p>
           <a:p>
             <a:pPr lvl="4"/>
             <a:r>
-              <a:rPr lang="ko-KR" altLang="en-US" smtClean="0"/>
+              <a:rPr lang="ko-KR" altLang="en-US"/>
               <a:t>다섯째 수준</a:t>
             </a:r>
             <a:endParaRPr lang="en-US" dirty="0"/>
@@ -1432,7 +1438,7 @@
           <a:p>
             <a:fld id="{96DFF08F-DC6B-4601-B491-B0F83F6DD2DA}" type="datetimeFigureOut">
               <a:rPr lang="en-US" dirty="0"/>
-              <a:t>5/14/2021</a:t>
+              <a:t>5/16/2021</a:t>
             </a:fld>
             <a:endParaRPr lang="en-US" dirty="0"/>
           </a:p>
@@ -1521,7 +1527,7 @@
           <a:lstStyle/>
           <a:p>
             <a:r>
-              <a:rPr lang="ko-KR" altLang="en-US" smtClean="0"/>
+              <a:rPr lang="ko-KR" altLang="en-US"/>
               <a:t>마스터 제목 스타일 편집</a:t>
             </a:r>
             <a:endParaRPr lang="en-US" dirty="0"/>
@@ -1590,7 +1596,7 @@
           <a:p>
             <a:pPr lvl="0"/>
             <a:r>
-              <a:rPr lang="ko-KR" altLang="en-US" smtClean="0"/>
+              <a:rPr lang="ko-KR" altLang="en-US"/>
               <a:t>마스터 텍스트 스타일을 편집합니다</a:t>
             </a:r>
           </a:p>
@@ -1646,35 +1652,35 @@
           <a:p>
             <a:pPr lvl="0"/>
             <a:r>
-              <a:rPr lang="ko-KR" altLang="en-US" smtClean="0"/>
+              <a:rPr lang="ko-KR" altLang="en-US"/>
               <a:t>마스터 텍스트 스타일을 편집합니다</a:t>
             </a:r>
           </a:p>
           <a:p>
             <a:pPr lvl="1"/>
             <a:r>
-              <a:rPr lang="ko-KR" altLang="en-US" smtClean="0"/>
+              <a:rPr lang="ko-KR" altLang="en-US"/>
               <a:t>둘째 수준</a:t>
             </a:r>
           </a:p>
           <a:p>
             <a:pPr lvl="2"/>
             <a:r>
-              <a:rPr lang="ko-KR" altLang="en-US" smtClean="0"/>
+              <a:rPr lang="ko-KR" altLang="en-US"/>
               <a:t>셋째 수준</a:t>
             </a:r>
           </a:p>
           <a:p>
             <a:pPr lvl="3"/>
             <a:r>
-              <a:rPr lang="ko-KR" altLang="en-US" smtClean="0"/>
+              <a:rPr lang="ko-KR" altLang="en-US"/>
               <a:t>넷째 수준</a:t>
             </a:r>
           </a:p>
           <a:p>
             <a:pPr lvl="4"/>
             <a:r>
-              <a:rPr lang="ko-KR" altLang="en-US" smtClean="0"/>
+              <a:rPr lang="ko-KR" altLang="en-US"/>
               <a:t>다섯째 수준</a:t>
             </a:r>
             <a:endParaRPr lang="en-US" dirty="0"/>
@@ -1743,7 +1749,7 @@
           <a:p>
             <a:pPr lvl="0"/>
             <a:r>
-              <a:rPr lang="ko-KR" altLang="en-US" smtClean="0"/>
+              <a:rPr lang="ko-KR" altLang="en-US"/>
               <a:t>마스터 텍스트 스타일을 편집합니다</a:t>
             </a:r>
           </a:p>
@@ -1799,35 +1805,35 @@
           <a:p>
             <a:pPr lvl="0"/>
             <a:r>
-              <a:rPr lang="ko-KR" altLang="en-US" smtClean="0"/>
+              <a:rPr lang="ko-KR" altLang="en-US"/>
               <a:t>마스터 텍스트 스타일을 편집합니다</a:t>
             </a:r>
           </a:p>
           <a:p>
             <a:pPr lvl="1"/>
             <a:r>
-              <a:rPr lang="ko-KR" altLang="en-US" smtClean="0"/>
+              <a:rPr lang="ko-KR" altLang="en-US"/>
               <a:t>둘째 수준</a:t>
             </a:r>
           </a:p>
           <a:p>
             <a:pPr lvl="2"/>
             <a:r>
-              <a:rPr lang="ko-KR" altLang="en-US" smtClean="0"/>
+              <a:rPr lang="ko-KR" altLang="en-US"/>
               <a:t>셋째 수준</a:t>
             </a:r>
           </a:p>
           <a:p>
             <a:pPr lvl="3"/>
             <a:r>
-              <a:rPr lang="ko-KR" altLang="en-US" smtClean="0"/>
+              <a:rPr lang="ko-KR" altLang="en-US"/>
               <a:t>넷째 수준</a:t>
             </a:r>
           </a:p>
           <a:p>
             <a:pPr lvl="4"/>
             <a:r>
-              <a:rPr lang="ko-KR" altLang="en-US" smtClean="0"/>
+              <a:rPr lang="ko-KR" altLang="en-US"/>
               <a:t>다섯째 수준</a:t>
             </a:r>
             <a:endParaRPr lang="en-US" dirty="0"/>
@@ -1851,7 +1857,7 @@
           <a:p>
             <a:fld id="{96DFF08F-DC6B-4601-B491-B0F83F6DD2DA}" type="datetimeFigureOut">
               <a:rPr lang="en-US" dirty="0"/>
-              <a:t>5/14/2021</a:t>
+              <a:t>5/16/2021</a:t>
             </a:fld>
             <a:endParaRPr lang="en-US" dirty="0"/>
           </a:p>
@@ -1940,7 +1946,7 @@
           <a:lstStyle/>
           <a:p>
             <a:r>
-              <a:rPr lang="ko-KR" altLang="en-US" smtClean="0"/>
+              <a:rPr lang="ko-KR" altLang="en-US"/>
               <a:t>마스터 제목 스타일 편집</a:t>
             </a:r>
             <a:endParaRPr lang="en-US" dirty="0"/>
@@ -1964,7 +1970,7 @@
           <a:p>
             <a:fld id="{96DFF08F-DC6B-4601-B491-B0F83F6DD2DA}" type="datetimeFigureOut">
               <a:rPr lang="en-US" dirty="0"/>
-              <a:t>5/14/2021</a:t>
+              <a:t>5/16/2021</a:t>
             </a:fld>
             <a:endParaRPr lang="en-US" dirty="0"/>
           </a:p>
@@ -2054,7 +2060,7 @@
           <a:p>
             <a:fld id="{96DFF08F-DC6B-4601-B491-B0F83F6DD2DA}" type="datetimeFigureOut">
               <a:rPr lang="en-US" dirty="0"/>
-              <a:t>5/14/2021</a:t>
+              <a:t>5/16/2021</a:t>
             </a:fld>
             <a:endParaRPr lang="en-US" dirty="0"/>
           </a:p>
@@ -2157,7 +2163,7 @@
           </a:lstStyle>
           <a:p>
             <a:r>
-              <a:rPr lang="ko-KR" altLang="en-US" smtClean="0"/>
+              <a:rPr lang="ko-KR" altLang="en-US"/>
               <a:t>마스터 제목 스타일 편집</a:t>
             </a:r>
             <a:endParaRPr lang="en-US" dirty="0"/>
@@ -2214,35 +2220,35 @@
           <a:p>
             <a:pPr lvl="0"/>
             <a:r>
-              <a:rPr lang="ko-KR" altLang="en-US" smtClean="0"/>
+              <a:rPr lang="ko-KR" altLang="en-US"/>
               <a:t>마스터 텍스트 스타일을 편집합니다</a:t>
             </a:r>
           </a:p>
           <a:p>
             <a:pPr lvl="1"/>
             <a:r>
-              <a:rPr lang="ko-KR" altLang="en-US" smtClean="0"/>
+              <a:rPr lang="ko-KR" altLang="en-US"/>
               <a:t>둘째 수준</a:t>
             </a:r>
           </a:p>
           <a:p>
             <a:pPr lvl="2"/>
             <a:r>
-              <a:rPr lang="ko-KR" altLang="en-US" smtClean="0"/>
+              <a:rPr lang="ko-KR" altLang="en-US"/>
               <a:t>셋째 수준</a:t>
             </a:r>
           </a:p>
           <a:p>
             <a:pPr lvl="3"/>
             <a:r>
-              <a:rPr lang="ko-KR" altLang="en-US" smtClean="0"/>
+              <a:rPr lang="ko-KR" altLang="en-US"/>
               <a:t>넷째 수준</a:t>
             </a:r>
           </a:p>
           <a:p>
             <a:pPr lvl="4"/>
             <a:r>
-              <a:rPr lang="ko-KR" altLang="en-US" smtClean="0"/>
+              <a:rPr lang="ko-KR" altLang="en-US"/>
               <a:t>다섯째 수준</a:t>
             </a:r>
             <a:endParaRPr lang="en-US" dirty="0"/>
@@ -2316,7 +2322,7 @@
           <a:p>
             <a:pPr lvl="0"/>
             <a:r>
-              <a:rPr lang="ko-KR" altLang="en-US" smtClean="0"/>
+              <a:rPr lang="ko-KR" altLang="en-US"/>
               <a:t>마스터 텍스트 스타일을 편집합니다</a:t>
             </a:r>
           </a:p>
@@ -2339,7 +2345,7 @@
           <a:p>
             <a:fld id="{96DFF08F-DC6B-4601-B491-B0F83F6DD2DA}" type="datetimeFigureOut">
               <a:rPr lang="en-US" dirty="0"/>
-              <a:t>5/14/2021</a:t>
+              <a:t>5/16/2021</a:t>
             </a:fld>
             <a:endParaRPr lang="en-US" dirty="0"/>
           </a:p>
@@ -2442,7 +2448,7 @@
           </a:lstStyle>
           <a:p>
             <a:r>
-              <a:rPr lang="ko-KR" altLang="en-US" smtClean="0"/>
+              <a:rPr lang="ko-KR" altLang="en-US"/>
               <a:t>마스터 제목 스타일 편집</a:t>
             </a:r>
             <a:endParaRPr lang="en-US" dirty="0"/>
@@ -2509,7 +2515,7 @@
           </a:lstStyle>
           <a:p>
             <a:r>
-              <a:rPr lang="ko-KR" altLang="en-US" smtClean="0"/>
+              <a:rPr lang="ko-KR" altLang="en-US"/>
               <a:t>그림을 추가하려면 아이콘을 클릭하십시오</a:t>
             </a:r>
             <a:endParaRPr lang="en-US" dirty="0"/>
@@ -2583,7 +2589,7 @@
           <a:p>
             <a:pPr lvl="0"/>
             <a:r>
-              <a:rPr lang="ko-KR" altLang="en-US" smtClean="0"/>
+              <a:rPr lang="ko-KR" altLang="en-US"/>
               <a:t>마스터 텍스트 스타일을 편집합니다</a:t>
             </a:r>
           </a:p>
@@ -2606,7 +2612,7 @@
           <a:p>
             <a:fld id="{96DFF08F-DC6B-4601-B491-B0F83F6DD2DA}" type="datetimeFigureOut">
               <a:rPr lang="en-US" dirty="0"/>
-              <a:t>5/14/2021</a:t>
+              <a:t>5/16/2021</a:t>
             </a:fld>
             <a:endParaRPr lang="en-US" dirty="0"/>
           </a:p>
@@ -2753,7 +2759,7 @@
           <a:lstStyle/>
           <a:p>
             <a:r>
-              <a:rPr lang="ko-KR" altLang="en-US" smtClean="0"/>
+              <a:rPr lang="ko-KR" altLang="en-US"/>
               <a:t>마스터 제목 스타일 편집</a:t>
             </a:r>
             <a:endParaRPr lang="en-US" dirty="0"/>
@@ -2787,35 +2793,35 @@
           <a:p>
             <a:pPr lvl="0"/>
             <a:r>
-              <a:rPr lang="ko-KR" altLang="en-US" smtClean="0"/>
+              <a:rPr lang="ko-KR" altLang="en-US"/>
               <a:t>마스터 텍스트 스타일을 편집합니다</a:t>
             </a:r>
           </a:p>
           <a:p>
             <a:pPr lvl="1"/>
             <a:r>
-              <a:rPr lang="ko-KR" altLang="en-US" smtClean="0"/>
+              <a:rPr lang="ko-KR" altLang="en-US"/>
               <a:t>둘째 수준</a:t>
             </a:r>
           </a:p>
           <a:p>
             <a:pPr lvl="2"/>
             <a:r>
-              <a:rPr lang="ko-KR" altLang="en-US" smtClean="0"/>
+              <a:rPr lang="ko-KR" altLang="en-US"/>
               <a:t>셋째 수준</a:t>
             </a:r>
           </a:p>
           <a:p>
             <a:pPr lvl="3"/>
             <a:r>
-              <a:rPr lang="ko-KR" altLang="en-US" smtClean="0"/>
+              <a:rPr lang="ko-KR" altLang="en-US"/>
               <a:t>넷째 수준</a:t>
             </a:r>
           </a:p>
           <a:p>
             <a:pPr lvl="4"/>
             <a:r>
-              <a:rPr lang="ko-KR" altLang="en-US" smtClean="0"/>
+              <a:rPr lang="ko-KR" altLang="en-US"/>
               <a:t>다섯째 수준</a:t>
             </a:r>
             <a:endParaRPr lang="en-US" dirty="0"/>
@@ -2856,7 +2862,7 @@
             <a:fld id="{96DFF08F-DC6B-4601-B491-B0F83F6DD2DA}" type="datetimeFigureOut">
               <a:rPr lang="en-US" dirty="0"/>
               <a:pPr/>
-              <a:t>5/14/2021</a:t>
+              <a:t>5/16/2021</a:t>
             </a:fld>
             <a:endParaRPr lang="en-US" dirty="0"/>
           </a:p>
@@ -3329,7 +3335,7 @@
           <a:lstStyle/>
           <a:p>
             <a:r>
-              <a:rPr lang="ko-KR" altLang="en-US" dirty="0" smtClean="0">
+              <a:rPr lang="ko-KR" altLang="en-US" dirty="0">
                 <a:latin typeface="+mj-ea"/>
               </a:rPr>
               <a:t>웹 기초 </a:t>
@@ -3341,14 +3347,11 @@
               <a:t>4</a:t>
             </a:r>
             <a:r>
-              <a:rPr lang="ko-KR" altLang="en-US" dirty="0" smtClean="0">
+              <a:rPr lang="ko-KR" altLang="en-US" dirty="0">
                 <a:latin typeface="+mj-ea"/>
               </a:rPr>
               <a:t>강</a:t>
             </a:r>
-            <a:endParaRPr lang="ko-KR" altLang="en-US" dirty="0">
-              <a:latin typeface="+mj-ea"/>
-            </a:endParaRPr>
           </a:p>
         </p:txBody>
       </p:sp>
@@ -3368,23 +3371,19 @@
           <a:lstStyle/>
           <a:p>
             <a:r>
-              <a:rPr lang="en-US" altLang="ko-KR" b="1" smtClean="0">
+              <a:rPr lang="en-US" altLang="ko-KR" b="1">
                 <a:latin typeface="+mj-ea"/>
                 <a:ea typeface="+mj-ea"/>
               </a:rPr>
               <a:t>kopo08 </a:t>
             </a:r>
             <a:r>
-              <a:rPr lang="ko-KR" altLang="en-US" b="1" dirty="0" smtClean="0">
+              <a:rPr lang="ko-KR" altLang="en-US" b="1" dirty="0">
                 <a:latin typeface="+mj-ea"/>
                 <a:ea typeface="+mj-ea"/>
               </a:rPr>
               <a:t>김은비</a:t>
             </a:r>
-            <a:endParaRPr lang="ko-KR" altLang="en-US" b="1" dirty="0">
-              <a:latin typeface="+mj-ea"/>
-              <a:ea typeface="+mj-ea"/>
-            </a:endParaRPr>
           </a:p>
         </p:txBody>
       </p:sp>
@@ -3392,6 +3391,308 @@
     <p:extLst>
       <p:ext uri="{BB962C8B-B14F-4D97-AF65-F5344CB8AC3E}">
         <p14:creationId xmlns:p14="http://schemas.microsoft.com/office/powerpoint/2010/main" val="3400647382"/>
+      </p:ext>
+    </p:extLst>
+  </p:cSld>
+  <p:clrMapOvr>
+    <a:masterClrMapping/>
+  </p:clrMapOvr>
+</p:sld>
+</file>
+
+<file path=ppt/slides/slide10.xml><?xml version="1.0" encoding="utf-8"?>
+<p:sld xmlns:a="http://schemas.openxmlformats.org/drawingml/2006/main" xmlns:r="http://schemas.openxmlformats.org/officeDocument/2006/relationships" xmlns:p="http://schemas.openxmlformats.org/presentationml/2006/main">
+  <p:cSld>
+    <p:spTree>
+      <p:nvGrpSpPr>
+        <p:cNvPr id="1" name=""/>
+        <p:cNvGrpSpPr/>
+        <p:nvPr/>
+      </p:nvGrpSpPr>
+      <p:grpSpPr>
+        <a:xfrm>
+          <a:off x="0" y="0"/>
+          <a:ext cx="0" cy="0"/>
+          <a:chOff x="0" y="0"/>
+          <a:chExt cx="0" cy="0"/>
+        </a:xfrm>
+      </p:grpSpPr>
+      <p:sp>
+        <p:nvSpPr>
+          <p:cNvPr id="6" name="제목 3">
+            <a:extLst>
+              <a:ext uri="{FF2B5EF4-FFF2-40B4-BE49-F238E27FC236}">
+                <a16:creationId xmlns:a16="http://schemas.microsoft.com/office/drawing/2014/main" id="{5C140BB8-5238-47E4-AA00-B6967E57665F}"/>
+              </a:ext>
+            </a:extLst>
+          </p:cNvPr>
+          <p:cNvSpPr>
+            <a:spLocks noGrp="1"/>
+          </p:cNvSpPr>
+          <p:nvPr>
+            <p:ph type="title"/>
+          </p:nvPr>
+        </p:nvSpPr>
+        <p:spPr>
+          <a:xfrm>
+            <a:off x="353860" y="338203"/>
+            <a:ext cx="9875520" cy="775988"/>
+          </a:xfrm>
+        </p:spPr>
+        <p:txBody>
+          <a:bodyPr>
+            <a:normAutofit/>
+          </a:bodyPr>
+          <a:lstStyle/>
+          <a:p>
+            <a:r>
+              <a:rPr lang="ko-KR" altLang="en-US" sz="3200" b="1" dirty="0">
+                <a:latin typeface="+mj-ea"/>
+              </a:rPr>
+              <a:t>실습 </a:t>
+            </a:r>
+            <a:r>
+              <a:rPr lang="en-US" altLang="ko-KR" sz="3200" b="1" dirty="0">
+                <a:latin typeface="+mj-ea"/>
+              </a:rPr>
+              <a:t>5</a:t>
+            </a:r>
+            <a:endParaRPr lang="ko-KR" altLang="en-US" sz="3200" b="1" dirty="0">
+              <a:latin typeface="+mj-ea"/>
+            </a:endParaRPr>
+          </a:p>
+        </p:txBody>
+      </p:sp>
+      <p:pic>
+        <p:nvPicPr>
+          <p:cNvPr id="8" name="그림 7">
+            <a:extLst>
+              <a:ext uri="{FF2B5EF4-FFF2-40B4-BE49-F238E27FC236}">
+                <a16:creationId xmlns:a16="http://schemas.microsoft.com/office/drawing/2014/main" id="{1D0FE7FE-FF49-4F8F-BAED-2FFF14F1CCB3}"/>
+              </a:ext>
+            </a:extLst>
+          </p:cNvPr>
+          <p:cNvPicPr>
+            <a:picLocks noChangeAspect="1"/>
+          </p:cNvPicPr>
+          <p:nvPr/>
+        </p:nvPicPr>
+        <p:blipFill>
+          <a:blip r:embed="rId2"/>
+          <a:stretch>
+            <a:fillRect/>
+          </a:stretch>
+        </p:blipFill>
+        <p:spPr>
+          <a:xfrm>
+            <a:off x="783177" y="1575247"/>
+            <a:ext cx="5385484" cy="4209732"/>
+          </a:xfrm>
+          <a:prstGeom prst="rect">
+            <a:avLst/>
+          </a:prstGeom>
+        </p:spPr>
+      </p:pic>
+      <p:pic>
+        <p:nvPicPr>
+          <p:cNvPr id="3" name="그림 2">
+            <a:extLst>
+              <a:ext uri="{FF2B5EF4-FFF2-40B4-BE49-F238E27FC236}">
+                <a16:creationId xmlns:a16="http://schemas.microsoft.com/office/drawing/2014/main" id="{2DAEFA80-A4E4-4180-8ACC-888E8CEC2CB4}"/>
+              </a:ext>
+            </a:extLst>
+          </p:cNvPr>
+          <p:cNvPicPr>
+            <a:picLocks noChangeAspect="1"/>
+          </p:cNvPicPr>
+          <p:nvPr/>
+        </p:nvPicPr>
+        <p:blipFill>
+          <a:blip r:embed="rId3"/>
+          <a:stretch>
+            <a:fillRect/>
+          </a:stretch>
+        </p:blipFill>
+        <p:spPr>
+          <a:xfrm>
+            <a:off x="6601838" y="1575246"/>
+            <a:ext cx="4678871" cy="4220443"/>
+          </a:xfrm>
+          <a:prstGeom prst="rect">
+            <a:avLst/>
+          </a:prstGeom>
+        </p:spPr>
+      </p:pic>
+    </p:spTree>
+    <p:extLst>
+      <p:ext uri="{BB962C8B-B14F-4D97-AF65-F5344CB8AC3E}">
+        <p14:creationId xmlns:p14="http://schemas.microsoft.com/office/powerpoint/2010/main" val="4219527195"/>
+      </p:ext>
+    </p:extLst>
+  </p:cSld>
+  <p:clrMapOvr>
+    <a:masterClrMapping/>
+  </p:clrMapOvr>
+</p:sld>
+</file>
+
+<file path=ppt/slides/slide11.xml><?xml version="1.0" encoding="utf-8"?>
+<p:sld xmlns:a="http://schemas.openxmlformats.org/drawingml/2006/main" xmlns:r="http://schemas.openxmlformats.org/officeDocument/2006/relationships" xmlns:p="http://schemas.openxmlformats.org/presentationml/2006/main">
+  <p:cSld>
+    <p:spTree>
+      <p:nvGrpSpPr>
+        <p:cNvPr id="1" name=""/>
+        <p:cNvGrpSpPr/>
+        <p:nvPr/>
+      </p:nvGrpSpPr>
+      <p:grpSpPr>
+        <a:xfrm>
+          <a:off x="0" y="0"/>
+          <a:ext cx="0" cy="0"/>
+          <a:chOff x="0" y="0"/>
+          <a:chExt cx="0" cy="0"/>
+        </a:xfrm>
+      </p:grpSpPr>
+      <p:sp>
+        <p:nvSpPr>
+          <p:cNvPr id="6" name="제목 3">
+            <a:extLst>
+              <a:ext uri="{FF2B5EF4-FFF2-40B4-BE49-F238E27FC236}">
+                <a16:creationId xmlns:a16="http://schemas.microsoft.com/office/drawing/2014/main" id="{5C140BB8-5238-47E4-AA00-B6967E57665F}"/>
+              </a:ext>
+            </a:extLst>
+          </p:cNvPr>
+          <p:cNvSpPr>
+            <a:spLocks noGrp="1"/>
+          </p:cNvSpPr>
+          <p:nvPr>
+            <p:ph type="title"/>
+          </p:nvPr>
+        </p:nvSpPr>
+        <p:spPr>
+          <a:xfrm>
+            <a:off x="353860" y="338203"/>
+            <a:ext cx="9875520" cy="775988"/>
+          </a:xfrm>
+        </p:spPr>
+        <p:txBody>
+          <a:bodyPr>
+            <a:normAutofit/>
+          </a:bodyPr>
+          <a:lstStyle/>
+          <a:p>
+            <a:r>
+              <a:rPr lang="ko-KR" altLang="en-US" sz="3200" b="1" dirty="0">
+                <a:latin typeface="+mj-ea"/>
+              </a:rPr>
+              <a:t>실습 </a:t>
+            </a:r>
+            <a:r>
+              <a:rPr lang="en-US" altLang="ko-KR" sz="3200" b="1" dirty="0">
+                <a:latin typeface="+mj-ea"/>
+              </a:rPr>
+              <a:t>5</a:t>
+            </a:r>
+            <a:endParaRPr lang="ko-KR" altLang="en-US" sz="3200" b="1" dirty="0">
+              <a:latin typeface="+mj-ea"/>
+            </a:endParaRPr>
+          </a:p>
+        </p:txBody>
+      </p:sp>
+      <p:pic>
+        <p:nvPicPr>
+          <p:cNvPr id="4" name="그림 3">
+            <a:extLst>
+              <a:ext uri="{FF2B5EF4-FFF2-40B4-BE49-F238E27FC236}">
+                <a16:creationId xmlns:a16="http://schemas.microsoft.com/office/drawing/2014/main" id="{B0B1927A-04F3-4E97-B126-6232F2CA9EA1}"/>
+              </a:ext>
+            </a:extLst>
+          </p:cNvPr>
+          <p:cNvPicPr>
+            <a:picLocks noChangeAspect="1"/>
+          </p:cNvPicPr>
+          <p:nvPr/>
+        </p:nvPicPr>
+        <p:blipFill>
+          <a:blip r:embed="rId2"/>
+          <a:stretch>
+            <a:fillRect/>
+          </a:stretch>
+        </p:blipFill>
+        <p:spPr>
+          <a:xfrm>
+            <a:off x="2043718" y="4757652"/>
+            <a:ext cx="8185662" cy="1129963"/>
+          </a:xfrm>
+          <a:prstGeom prst="rect">
+            <a:avLst/>
+          </a:prstGeom>
+        </p:spPr>
+      </p:pic>
+      <p:pic>
+        <p:nvPicPr>
+          <p:cNvPr id="5" name="그림 4">
+            <a:extLst>
+              <a:ext uri="{FF2B5EF4-FFF2-40B4-BE49-F238E27FC236}">
+                <a16:creationId xmlns:a16="http://schemas.microsoft.com/office/drawing/2014/main" id="{A3A896D9-185A-4831-B7C9-A0C60A43457C}"/>
+              </a:ext>
+            </a:extLst>
+          </p:cNvPr>
+          <p:cNvPicPr>
+            <a:picLocks noChangeAspect="1"/>
+          </p:cNvPicPr>
+          <p:nvPr/>
+        </p:nvPicPr>
+        <p:blipFill>
+          <a:blip r:embed="rId3"/>
+          <a:stretch>
+            <a:fillRect/>
+          </a:stretch>
+        </p:blipFill>
+        <p:spPr>
+          <a:xfrm>
+            <a:off x="2043718" y="3079290"/>
+            <a:ext cx="8330195" cy="1208798"/>
+          </a:xfrm>
+          <a:prstGeom prst="rect">
+            <a:avLst/>
+          </a:prstGeom>
+        </p:spPr>
+      </p:pic>
+      <p:pic>
+        <p:nvPicPr>
+          <p:cNvPr id="7" name="그림 6">
+            <a:extLst>
+              <a:ext uri="{FF2B5EF4-FFF2-40B4-BE49-F238E27FC236}">
+                <a16:creationId xmlns:a16="http://schemas.microsoft.com/office/drawing/2014/main" id="{931C9EDD-93ED-43B0-B739-E55B6BF361E9}"/>
+              </a:ext>
+            </a:extLst>
+          </p:cNvPr>
+          <p:cNvPicPr>
+            <a:picLocks noChangeAspect="1"/>
+          </p:cNvPicPr>
+          <p:nvPr/>
+        </p:nvPicPr>
+        <p:blipFill>
+          <a:blip r:embed="rId4"/>
+          <a:stretch>
+            <a:fillRect/>
+          </a:stretch>
+        </p:blipFill>
+        <p:spPr>
+          <a:xfrm>
+            <a:off x="2043718" y="1583755"/>
+            <a:ext cx="8382751" cy="1208798"/>
+          </a:xfrm>
+          <a:prstGeom prst="rect">
+            <a:avLst/>
+          </a:prstGeom>
+        </p:spPr>
+      </p:pic>
+    </p:spTree>
+    <p:extLst>
+      <p:ext uri="{BB962C8B-B14F-4D97-AF65-F5344CB8AC3E}">
+        <p14:creationId xmlns:p14="http://schemas.microsoft.com/office/powerpoint/2010/main" val="2062785960"/>
       </p:ext>
     </p:extLst>
   </p:cSld>
@@ -3441,13 +3742,13 @@
           <a:lstStyle/>
           <a:p>
             <a:r>
-              <a:rPr lang="ko-KR" altLang="en-US" sz="3200" b="1" dirty="0" smtClean="0">
+              <a:rPr lang="ko-KR" altLang="en-US" sz="3200" b="1" dirty="0">
                 <a:latin typeface="+mj-ea"/>
               </a:rPr>
               <a:t>실습 </a:t>
             </a:r>
             <a:r>
-              <a:rPr lang="en-US" altLang="ko-KR" sz="3200" b="1" dirty="0" smtClean="0">
+              <a:rPr lang="en-US" altLang="ko-KR" sz="3200" b="1" dirty="0">
                 <a:latin typeface="+mj-ea"/>
               </a:rPr>
               <a:t>1</a:t>
@@ -3460,7 +3761,13 @@
       </p:sp>
       <p:pic>
         <p:nvPicPr>
-          <p:cNvPr id="4" name="그림 3"/>
+          <p:cNvPr id="10" name="그림 9">
+            <a:extLst>
+              <a:ext uri="{FF2B5EF4-FFF2-40B4-BE49-F238E27FC236}">
+                <a16:creationId xmlns:a16="http://schemas.microsoft.com/office/drawing/2014/main" id="{14D9735B-FF95-4791-991C-8E4508B1A0D6}"/>
+              </a:ext>
+            </a:extLst>
+          </p:cNvPr>
           <p:cNvPicPr>
             <a:picLocks noChangeAspect="1"/>
           </p:cNvPicPr>
@@ -3474,8 +3781,8 @@
         </p:blipFill>
         <p:spPr>
           <a:xfrm>
-            <a:off x="534639" y="3662819"/>
-            <a:ext cx="5686425" cy="2819400"/>
+            <a:off x="473135" y="1667810"/>
+            <a:ext cx="5622865" cy="3865244"/>
           </a:xfrm>
           <a:prstGeom prst="rect">
             <a:avLst/>
@@ -3484,7 +3791,13 @@
       </p:pic>
       <p:pic>
         <p:nvPicPr>
-          <p:cNvPr id="6" name="그림 5"/>
+          <p:cNvPr id="12" name="그림 11">
+            <a:extLst>
+              <a:ext uri="{FF2B5EF4-FFF2-40B4-BE49-F238E27FC236}">
+                <a16:creationId xmlns:a16="http://schemas.microsoft.com/office/drawing/2014/main" id="{43C6D8CB-81EA-480F-83B9-8FDE96D73658}"/>
+              </a:ext>
+            </a:extLst>
+          </p:cNvPr>
           <p:cNvPicPr>
             <a:picLocks noChangeAspect="1"/>
           </p:cNvPicPr>
@@ -3498,56 +3811,8 @@
         </p:blipFill>
         <p:spPr>
           <a:xfrm>
-            <a:off x="534639" y="1865349"/>
-            <a:ext cx="4743450" cy="1543050"/>
-          </a:xfrm>
-          <a:prstGeom prst="rect">
-            <a:avLst/>
-          </a:prstGeom>
-        </p:spPr>
-      </p:pic>
-      <p:pic>
-        <p:nvPicPr>
-          <p:cNvPr id="7" name="그림 6"/>
-          <p:cNvPicPr>
-            <a:picLocks noChangeAspect="1"/>
-          </p:cNvPicPr>
-          <p:nvPr/>
-        </p:nvPicPr>
-        <p:blipFill>
-          <a:blip r:embed="rId4"/>
-          <a:stretch>
-            <a:fillRect/>
-          </a:stretch>
-        </p:blipFill>
-        <p:spPr>
-          <a:xfrm>
-            <a:off x="3278191" y="655366"/>
-            <a:ext cx="3224706" cy="1038922"/>
-          </a:xfrm>
-          <a:prstGeom prst="rect">
-            <a:avLst/>
-          </a:prstGeom>
-        </p:spPr>
-      </p:pic>
-      <p:pic>
-        <p:nvPicPr>
-          <p:cNvPr id="8" name="그림 7"/>
-          <p:cNvPicPr>
-            <a:picLocks noChangeAspect="1"/>
-          </p:cNvPicPr>
-          <p:nvPr/>
-        </p:nvPicPr>
-        <p:blipFill>
-          <a:blip r:embed="rId5"/>
-          <a:stretch>
-            <a:fillRect/>
-          </a:stretch>
-        </p:blipFill>
-        <p:spPr>
-          <a:xfrm>
-            <a:off x="6691697" y="689670"/>
-            <a:ext cx="4591050" cy="1600200"/>
+            <a:off x="6312917" y="622818"/>
+            <a:ext cx="5371654" cy="5612364"/>
           </a:xfrm>
           <a:prstGeom prst="rect">
             <a:avLst/>
@@ -3586,7 +3851,7 @@
       </p:grpSpPr>
       <p:sp>
         <p:nvSpPr>
-          <p:cNvPr id="2" name="제목 1"/>
+          <p:cNvPr id="3" name="제목 3"/>
           <p:cNvSpPr>
             <a:spLocks noGrp="1"/>
           </p:cNvSpPr>
@@ -3594,18 +3859,39 @@
             <p:ph type="title"/>
           </p:nvPr>
         </p:nvSpPr>
-        <p:spPr/>
-        <p:txBody>
-          <a:bodyPr/>
-          <a:lstStyle/>
-          <a:p>
-            <a:endParaRPr lang="ko-KR" altLang="en-US"/>
+        <p:spPr>
+          <a:xfrm>
+            <a:off x="353860" y="338203"/>
+            <a:ext cx="9875520" cy="775988"/>
+          </a:xfrm>
+        </p:spPr>
+        <p:txBody>
+          <a:bodyPr>
+            <a:normAutofit/>
+          </a:bodyPr>
+          <a:lstStyle/>
+          <a:p>
+            <a:r>
+              <a:rPr lang="ko-KR" altLang="en-US" sz="3200" b="1" dirty="0">
+                <a:latin typeface="+mj-ea"/>
+              </a:rPr>
+              <a:t>실습 </a:t>
+            </a:r>
+            <a:r>
+              <a:rPr lang="en-US" altLang="ko-KR" sz="3200" b="1" dirty="0">
+                <a:latin typeface="+mj-ea"/>
+              </a:rPr>
+              <a:t>1</a:t>
+            </a:r>
+            <a:endParaRPr lang="ko-KR" altLang="en-US" sz="3200" b="1" dirty="0">
+              <a:latin typeface="+mj-ea"/>
+            </a:endParaRPr>
           </a:p>
         </p:txBody>
       </p:sp>
       <p:pic>
         <p:nvPicPr>
-          <p:cNvPr id="3" name="그림 2"/>
+          <p:cNvPr id="4" name="그림 3"/>
           <p:cNvPicPr>
             <a:picLocks noChangeAspect="1"/>
           </p:cNvPicPr>
@@ -3619,17 +3905,22 @@
         </p:blipFill>
         <p:spPr>
           <a:xfrm>
-            <a:off x="845246" y="1798268"/>
-            <a:ext cx="4914900" cy="4914900"/>
+            <a:off x="896942" y="3013474"/>
+            <a:ext cx="3563090" cy="1766624"/>
           </a:xfrm>
           <a:prstGeom prst="rect">
             <a:avLst/>
           </a:prstGeom>
+          <a:ln>
+            <a:solidFill>
+              <a:schemeClr val="accent1"/>
+            </a:solidFill>
+          </a:ln>
         </p:spPr>
       </p:pic>
       <p:pic>
         <p:nvPicPr>
-          <p:cNvPr id="4" name="그림 3"/>
+          <p:cNvPr id="6" name="그림 5"/>
           <p:cNvPicPr>
             <a:picLocks noChangeAspect="1"/>
           </p:cNvPicPr>
@@ -3643,17 +3934,22 @@
         </p:blipFill>
         <p:spPr>
           <a:xfrm>
-            <a:off x="3128962" y="3019425"/>
-            <a:ext cx="5934075" cy="819150"/>
+            <a:off x="6534538" y="3125261"/>
+            <a:ext cx="4743450" cy="1543050"/>
           </a:xfrm>
           <a:prstGeom prst="rect">
             <a:avLst/>
           </a:prstGeom>
+          <a:ln>
+            <a:solidFill>
+              <a:schemeClr val="accent1"/>
+            </a:solidFill>
+          </a:ln>
         </p:spPr>
       </p:pic>
       <p:pic>
         <p:nvPicPr>
-          <p:cNvPr id="5" name="그림 4"/>
+          <p:cNvPr id="7" name="그림 6"/>
           <p:cNvPicPr>
             <a:picLocks noChangeAspect="1"/>
           </p:cNvPicPr>
@@ -3667,17 +3963,22 @@
         </p:blipFill>
         <p:spPr>
           <a:xfrm>
-            <a:off x="3953397" y="4255718"/>
-            <a:ext cx="6038850" cy="876300"/>
+            <a:off x="896942" y="1517918"/>
+            <a:ext cx="3224706" cy="1038922"/>
           </a:xfrm>
           <a:prstGeom prst="rect">
             <a:avLst/>
           </a:prstGeom>
+          <a:ln>
+            <a:solidFill>
+              <a:schemeClr val="accent1"/>
+            </a:solidFill>
+          </a:ln>
         </p:spPr>
       </p:pic>
       <p:pic>
         <p:nvPicPr>
-          <p:cNvPr id="6" name="그림 5"/>
+          <p:cNvPr id="8" name="그림 7"/>
           <p:cNvPicPr>
             <a:picLocks noChangeAspect="1"/>
           </p:cNvPicPr>
@@ -3691,17 +3992,259 @@
         </p:blipFill>
         <p:spPr>
           <a:xfrm>
-            <a:off x="4837722" y="2619453"/>
-            <a:ext cx="6076950" cy="876300"/>
+            <a:off x="903791" y="5329447"/>
+            <a:ext cx="3563090" cy="1241907"/>
           </a:xfrm>
           <a:prstGeom prst="rect">
             <a:avLst/>
           </a:prstGeom>
+          <a:ln>
+            <a:solidFill>
+              <a:schemeClr val="accent1"/>
+            </a:solidFill>
+          </a:ln>
         </p:spPr>
       </p:pic>
+      <p:sp>
+        <p:nvSpPr>
+          <p:cNvPr id="2" name="TextBox 1">
+            <a:extLst>
+              <a:ext uri="{FF2B5EF4-FFF2-40B4-BE49-F238E27FC236}">
+                <a16:creationId xmlns:a16="http://schemas.microsoft.com/office/drawing/2014/main" id="{29EBBC36-BE96-49D8-9498-57DA6889B77B}"/>
+              </a:ext>
+            </a:extLst>
+          </p:cNvPr>
+          <p:cNvSpPr txBox="1"/>
+          <p:nvPr/>
+        </p:nvSpPr>
+        <p:spPr>
+          <a:xfrm>
+            <a:off x="792398" y="1114191"/>
+            <a:ext cx="1874231" cy="369332"/>
+          </a:xfrm>
+          <a:prstGeom prst="rect">
+            <a:avLst/>
+          </a:prstGeom>
+          <a:noFill/>
+        </p:spPr>
+        <p:txBody>
+          <a:bodyPr wrap="none" rtlCol="0">
+            <a:spAutoFit/>
+          </a:bodyPr>
+          <a:lstStyle/>
+          <a:p>
+            <a:r>
+              <a:rPr lang="en-US" altLang="ko-KR" dirty="0"/>
+              <a:t>1. </a:t>
+            </a:r>
+            <a:r>
+              <a:rPr lang="ko-KR" altLang="en-US" dirty="0"/>
+              <a:t>이름 버튼 클릭</a:t>
+            </a:r>
+          </a:p>
+        </p:txBody>
+      </p:sp>
+      <p:sp>
+        <p:nvSpPr>
+          <p:cNvPr id="9" name="TextBox 8">
+            <a:extLst>
+              <a:ext uri="{FF2B5EF4-FFF2-40B4-BE49-F238E27FC236}">
+                <a16:creationId xmlns:a16="http://schemas.microsoft.com/office/drawing/2014/main" id="{D736B8EB-0D14-4C6E-8787-ABACD2CA78E9}"/>
+              </a:ext>
+            </a:extLst>
+          </p:cNvPr>
+          <p:cNvSpPr txBox="1"/>
+          <p:nvPr/>
+        </p:nvSpPr>
+        <p:spPr>
+          <a:xfrm>
+            <a:off x="792398" y="2600491"/>
+            <a:ext cx="2880917" cy="369332"/>
+          </a:xfrm>
+          <a:prstGeom prst="rect">
+            <a:avLst/>
+          </a:prstGeom>
+          <a:noFill/>
+        </p:spPr>
+        <p:txBody>
+          <a:bodyPr wrap="none" rtlCol="0">
+            <a:spAutoFit/>
+          </a:bodyPr>
+          <a:lstStyle/>
+          <a:p>
+            <a:r>
+              <a:rPr lang="en-US" altLang="ko-KR" dirty="0"/>
+              <a:t>2. </a:t>
+            </a:r>
+            <a:r>
+              <a:rPr lang="ko-KR" altLang="en-US" dirty="0"/>
+              <a:t>이름 입력 </a:t>
+            </a:r>
+            <a:r>
+              <a:rPr lang="en-US" altLang="ko-KR" dirty="0"/>
+              <a:t>prompt</a:t>
+            </a:r>
+            <a:r>
+              <a:rPr lang="ko-KR" altLang="en-US" dirty="0"/>
+              <a:t>로 실행</a:t>
+            </a:r>
+          </a:p>
+        </p:txBody>
+      </p:sp>
+      <p:sp>
+        <p:nvSpPr>
+          <p:cNvPr id="10" name="TextBox 9">
+            <a:extLst>
+              <a:ext uri="{FF2B5EF4-FFF2-40B4-BE49-F238E27FC236}">
+                <a16:creationId xmlns:a16="http://schemas.microsoft.com/office/drawing/2014/main" id="{2B494131-4773-4B56-8B59-FDB10BACA457}"/>
+              </a:ext>
+            </a:extLst>
+          </p:cNvPr>
+          <p:cNvSpPr txBox="1"/>
+          <p:nvPr/>
+        </p:nvSpPr>
+        <p:spPr>
+          <a:xfrm>
+            <a:off x="896942" y="4867131"/>
+            <a:ext cx="6769802" cy="369332"/>
+          </a:xfrm>
+          <a:prstGeom prst="rect">
+            <a:avLst/>
+          </a:prstGeom>
+          <a:noFill/>
+        </p:spPr>
+        <p:txBody>
+          <a:bodyPr wrap="none" rtlCol="0">
+            <a:spAutoFit/>
+          </a:bodyPr>
+          <a:lstStyle/>
+          <a:p>
+            <a:r>
+              <a:rPr lang="en-US" altLang="ko-KR" dirty="0"/>
+              <a:t>3. </a:t>
+            </a:r>
+            <a:r>
+              <a:rPr lang="ko-KR" altLang="en-US" dirty="0"/>
+              <a:t>이름 공백으로 제출시 </a:t>
+            </a:r>
+            <a:r>
+              <a:rPr lang="en-US" altLang="ko-KR" dirty="0"/>
+              <a:t>alert </a:t>
+            </a:r>
+            <a:r>
+              <a:rPr lang="ko-KR" altLang="en-US" dirty="0"/>
+              <a:t>후 </a:t>
+            </a:r>
+            <a:r>
+              <a:rPr lang="en-US" altLang="ko-KR" dirty="0"/>
+              <a:t>prompt </a:t>
+            </a:r>
+            <a:r>
+              <a:rPr lang="ko-KR" altLang="en-US" dirty="0"/>
+              <a:t>재실행 </a:t>
+            </a:r>
+            <a:r>
+              <a:rPr lang="en-US" altLang="ko-KR" dirty="0"/>
+              <a:t>(</a:t>
+            </a:r>
+            <a:r>
+              <a:rPr lang="ko-KR" altLang="en-US" dirty="0"/>
+              <a:t>취소 시에는 안 뜸</a:t>
+            </a:r>
+            <a:r>
+              <a:rPr lang="en-US" altLang="ko-KR" dirty="0"/>
+              <a:t>)</a:t>
+            </a:r>
+            <a:endParaRPr lang="ko-KR" altLang="en-US" dirty="0"/>
+          </a:p>
+        </p:txBody>
+      </p:sp>
       <p:pic>
         <p:nvPicPr>
-          <p:cNvPr id="7" name="그림 6"/>
+          <p:cNvPr id="11" name="그림 10">
+            <a:extLst>
+              <a:ext uri="{FF2B5EF4-FFF2-40B4-BE49-F238E27FC236}">
+                <a16:creationId xmlns:a16="http://schemas.microsoft.com/office/drawing/2014/main" id="{AC35BE4E-5F34-40B9-9918-8B327B3F4A7F}"/>
+              </a:ext>
+            </a:extLst>
+          </p:cNvPr>
+          <p:cNvPicPr>
+            <a:picLocks noChangeAspect="1"/>
+          </p:cNvPicPr>
+          <p:nvPr/>
+        </p:nvPicPr>
+        <p:blipFill rotWithShape="1">
+          <a:blip r:embed="rId2"/>
+          <a:srcRect l="11442" t="8108" r="8673" b="24728"/>
+          <a:stretch/>
+        </p:blipFill>
+        <p:spPr>
+          <a:xfrm>
+            <a:off x="4915570" y="5315032"/>
+            <a:ext cx="3013786" cy="1256322"/>
+          </a:xfrm>
+          <a:prstGeom prst="rect">
+            <a:avLst/>
+          </a:prstGeom>
+          <a:ln>
+            <a:solidFill>
+              <a:schemeClr val="accent1"/>
+            </a:solidFill>
+          </a:ln>
+        </p:spPr>
+      </p:pic>
+      <p:cxnSp>
+        <p:nvCxnSpPr>
+          <p:cNvPr id="13" name="직선 화살표 연결선 12">
+            <a:extLst>
+              <a:ext uri="{FF2B5EF4-FFF2-40B4-BE49-F238E27FC236}">
+                <a16:creationId xmlns:a16="http://schemas.microsoft.com/office/drawing/2014/main" id="{1F7E1938-97F6-4130-BAD5-5207C78C8F04}"/>
+              </a:ext>
+            </a:extLst>
+          </p:cNvPr>
+          <p:cNvCxnSpPr>
+            <a:cxnSpLocks/>
+            <a:stCxn id="8" idx="3"/>
+            <a:endCxn id="11" idx="1"/>
+          </p:cNvCxnSpPr>
+          <p:nvPr/>
+        </p:nvCxnSpPr>
+        <p:spPr>
+          <a:xfrm flipV="1">
+            <a:off x="4466881" y="5943193"/>
+            <a:ext cx="448689" cy="7208"/>
+          </a:xfrm>
+          <a:prstGeom prst="straightConnector1">
+            <a:avLst/>
+          </a:prstGeom>
+          <a:ln>
+            <a:tailEnd type="triangle"/>
+          </a:ln>
+        </p:spPr>
+        <p:style>
+          <a:lnRef idx="1">
+            <a:schemeClr val="accent1"/>
+          </a:lnRef>
+          <a:fillRef idx="0">
+            <a:schemeClr val="accent1"/>
+          </a:fillRef>
+          <a:effectRef idx="0">
+            <a:schemeClr val="accent1"/>
+          </a:effectRef>
+          <a:fontRef idx="minor">
+            <a:schemeClr val="tx1"/>
+          </a:fontRef>
+        </p:style>
+      </p:cxnSp>
+      <p:pic>
+        <p:nvPicPr>
+          <p:cNvPr id="16" name="그림 15">
+            <a:extLst>
+              <a:ext uri="{FF2B5EF4-FFF2-40B4-BE49-F238E27FC236}">
+                <a16:creationId xmlns:a16="http://schemas.microsoft.com/office/drawing/2014/main" id="{78813CB7-1D8F-4927-901B-D6AA7A582277}"/>
+              </a:ext>
+            </a:extLst>
+          </p:cNvPr>
           <p:cNvPicPr>
             <a:picLocks noChangeAspect="1"/>
           </p:cNvPicPr>
@@ -3715,17 +4258,357 @@
         </p:blipFill>
         <p:spPr>
           <a:xfrm>
-            <a:off x="3881437" y="2514600"/>
-            <a:ext cx="4429125" cy="1828800"/>
+            <a:off x="6534538" y="1114191"/>
+            <a:ext cx="3934797" cy="1560351"/>
           </a:xfrm>
           <a:prstGeom prst="rect">
             <a:avLst/>
           </a:prstGeom>
+          <a:ln>
+            <a:solidFill>
+              <a:schemeClr val="accent1"/>
+            </a:solidFill>
+          </a:ln>
+        </p:spPr>
+      </p:pic>
+      <p:sp>
+        <p:nvSpPr>
+          <p:cNvPr id="17" name="TextBox 16">
+            <a:extLst>
+              <a:ext uri="{FF2B5EF4-FFF2-40B4-BE49-F238E27FC236}">
+                <a16:creationId xmlns:a16="http://schemas.microsoft.com/office/drawing/2014/main" id="{F48FA34B-52EC-4242-8D3D-107D8BE96B46}"/>
+              </a:ext>
+            </a:extLst>
+          </p:cNvPr>
+          <p:cNvSpPr txBox="1"/>
+          <p:nvPr/>
+        </p:nvSpPr>
+        <p:spPr>
+          <a:xfrm>
+            <a:off x="6422463" y="693061"/>
+            <a:ext cx="2951449" cy="369332"/>
+          </a:xfrm>
+          <a:prstGeom prst="rect">
+            <a:avLst/>
+          </a:prstGeom>
+          <a:noFill/>
+        </p:spPr>
+        <p:txBody>
+          <a:bodyPr wrap="none" rtlCol="0">
+            <a:spAutoFit/>
+          </a:bodyPr>
+          <a:lstStyle/>
+          <a:p>
+            <a:r>
+              <a:rPr lang="en-US" altLang="ko-KR" dirty="0"/>
+              <a:t>4. </a:t>
+            </a:r>
+            <a:r>
+              <a:rPr lang="ko-KR" altLang="en-US" dirty="0"/>
+              <a:t>이름 입력 후 확인 클릭 시</a:t>
+            </a:r>
+          </a:p>
+        </p:txBody>
+      </p:sp>
+      <p:sp>
+        <p:nvSpPr>
+          <p:cNvPr id="18" name="TextBox 17">
+            <a:extLst>
+              <a:ext uri="{FF2B5EF4-FFF2-40B4-BE49-F238E27FC236}">
+                <a16:creationId xmlns:a16="http://schemas.microsoft.com/office/drawing/2014/main" id="{19AB05C7-0058-4ADF-8B84-870A90E6DCC6}"/>
+              </a:ext>
+            </a:extLst>
+          </p:cNvPr>
+          <p:cNvSpPr txBox="1"/>
+          <p:nvPr/>
+        </p:nvSpPr>
+        <p:spPr>
+          <a:xfrm>
+            <a:off x="6422463" y="2688696"/>
+            <a:ext cx="1834156" cy="369332"/>
+          </a:xfrm>
+          <a:prstGeom prst="rect">
+            <a:avLst/>
+          </a:prstGeom>
+          <a:noFill/>
+        </p:spPr>
+        <p:txBody>
+          <a:bodyPr wrap="none" rtlCol="0">
+            <a:spAutoFit/>
+          </a:bodyPr>
+          <a:lstStyle/>
+          <a:p>
+            <a:r>
+              <a:rPr lang="en-US" altLang="ko-KR" dirty="0"/>
+              <a:t>5. </a:t>
+            </a:r>
+            <a:r>
+              <a:rPr lang="ko-KR" altLang="en-US" dirty="0"/>
+              <a:t>환영인사 출력</a:t>
+            </a:r>
+          </a:p>
+        </p:txBody>
+      </p:sp>
+    </p:spTree>
+    <p:extLst>
+      <p:ext uri="{BB962C8B-B14F-4D97-AF65-F5344CB8AC3E}">
+        <p14:creationId xmlns:p14="http://schemas.microsoft.com/office/powerpoint/2010/main" val="3102792453"/>
+      </p:ext>
+    </p:extLst>
+  </p:cSld>
+  <p:clrMapOvr>
+    <a:masterClrMapping/>
+  </p:clrMapOvr>
+</p:sld>
+</file>
+
+<file path=ppt/slides/slide4.xml><?xml version="1.0" encoding="utf-8"?>
+<p:sld xmlns:a="http://schemas.openxmlformats.org/drawingml/2006/main" xmlns:r="http://schemas.openxmlformats.org/officeDocument/2006/relationships" xmlns:p="http://schemas.openxmlformats.org/presentationml/2006/main">
+  <p:cSld>
+    <p:spTree>
+      <p:nvGrpSpPr>
+        <p:cNvPr id="1" name=""/>
+        <p:cNvGrpSpPr/>
+        <p:nvPr/>
+      </p:nvGrpSpPr>
+      <p:grpSpPr>
+        <a:xfrm>
+          <a:off x="0" y="0"/>
+          <a:ext cx="0" cy="0"/>
+          <a:chOff x="0" y="0"/>
+          <a:chExt cx="0" cy="0"/>
+        </a:xfrm>
+      </p:grpSpPr>
+      <p:sp>
+        <p:nvSpPr>
+          <p:cNvPr id="3" name="제목 3">
+            <a:extLst>
+              <a:ext uri="{FF2B5EF4-FFF2-40B4-BE49-F238E27FC236}">
+                <a16:creationId xmlns:a16="http://schemas.microsoft.com/office/drawing/2014/main" id="{BD881F6D-E025-4EC2-9377-42E5CD7DA83D}"/>
+              </a:ext>
+            </a:extLst>
+          </p:cNvPr>
+          <p:cNvSpPr>
+            <a:spLocks noGrp="1"/>
+          </p:cNvSpPr>
+          <p:nvPr>
+            <p:ph type="title"/>
+          </p:nvPr>
+        </p:nvSpPr>
+        <p:spPr>
+          <a:xfrm>
+            <a:off x="353860" y="338203"/>
+            <a:ext cx="9875520" cy="775988"/>
+          </a:xfrm>
+        </p:spPr>
+        <p:txBody>
+          <a:bodyPr>
+            <a:normAutofit/>
+          </a:bodyPr>
+          <a:lstStyle/>
+          <a:p>
+            <a:r>
+              <a:rPr lang="ko-KR" altLang="en-US" sz="3200" b="1" dirty="0">
+                <a:latin typeface="+mj-ea"/>
+              </a:rPr>
+              <a:t>실습 </a:t>
+            </a:r>
+            <a:r>
+              <a:rPr lang="en-US" altLang="ko-KR" sz="3200" b="1" dirty="0">
+                <a:latin typeface="+mj-ea"/>
+              </a:rPr>
+              <a:t>1-1</a:t>
+            </a:r>
+            <a:endParaRPr lang="ko-KR" altLang="en-US" sz="3200" b="1" dirty="0">
+              <a:latin typeface="+mj-ea"/>
+            </a:endParaRPr>
+          </a:p>
+        </p:txBody>
+      </p:sp>
+      <p:pic>
+        <p:nvPicPr>
+          <p:cNvPr id="4" name="그림 3">
+            <a:extLst>
+              <a:ext uri="{FF2B5EF4-FFF2-40B4-BE49-F238E27FC236}">
+                <a16:creationId xmlns:a16="http://schemas.microsoft.com/office/drawing/2014/main" id="{93D9DC6C-11E2-42DF-B9F4-7B946CC64437}"/>
+              </a:ext>
+            </a:extLst>
+          </p:cNvPr>
+          <p:cNvPicPr>
+            <a:picLocks noChangeAspect="1"/>
+          </p:cNvPicPr>
+          <p:nvPr/>
+        </p:nvPicPr>
+        <p:blipFill>
+          <a:blip r:embed="rId2"/>
+          <a:stretch>
+            <a:fillRect/>
+          </a:stretch>
+        </p:blipFill>
+        <p:spPr>
+          <a:xfrm>
+            <a:off x="7887986" y="1723282"/>
+            <a:ext cx="3126569" cy="4847573"/>
+          </a:xfrm>
+          <a:prstGeom prst="rect">
+            <a:avLst/>
+          </a:prstGeom>
+          <a:ln>
+            <a:solidFill>
+              <a:schemeClr val="accent1"/>
+            </a:solidFill>
+          </a:ln>
         </p:spPr>
       </p:pic>
       <p:pic>
         <p:nvPicPr>
-          <p:cNvPr id="8" name="그림 7"/>
+          <p:cNvPr id="5" name="그림 4">
+            <a:extLst>
+              <a:ext uri="{FF2B5EF4-FFF2-40B4-BE49-F238E27FC236}">
+                <a16:creationId xmlns:a16="http://schemas.microsoft.com/office/drawing/2014/main" id="{7508EB1C-1142-4556-8494-A88176AE78F1}"/>
+              </a:ext>
+            </a:extLst>
+          </p:cNvPr>
+          <p:cNvPicPr>
+            <a:picLocks noChangeAspect="1"/>
+          </p:cNvPicPr>
+          <p:nvPr/>
+        </p:nvPicPr>
+        <p:blipFill>
+          <a:blip r:embed="rId3"/>
+          <a:stretch>
+            <a:fillRect/>
+          </a:stretch>
+        </p:blipFill>
+        <p:spPr>
+          <a:xfrm>
+            <a:off x="737021" y="4949112"/>
+            <a:ext cx="4476750" cy="1409700"/>
+          </a:xfrm>
+          <a:prstGeom prst="rect">
+            <a:avLst/>
+          </a:prstGeom>
+          <a:ln>
+            <a:solidFill>
+              <a:schemeClr val="accent1"/>
+            </a:solidFill>
+          </a:ln>
+        </p:spPr>
+      </p:pic>
+      <p:pic>
+        <p:nvPicPr>
+          <p:cNvPr id="6" name="그림 5">
+            <a:extLst>
+              <a:ext uri="{FF2B5EF4-FFF2-40B4-BE49-F238E27FC236}">
+                <a16:creationId xmlns:a16="http://schemas.microsoft.com/office/drawing/2014/main" id="{3F905781-BAB5-41F3-9ACD-A299E7E5DA03}"/>
+              </a:ext>
+            </a:extLst>
+          </p:cNvPr>
+          <p:cNvPicPr>
+            <a:picLocks noChangeAspect="1"/>
+          </p:cNvPicPr>
+          <p:nvPr/>
+        </p:nvPicPr>
+        <p:blipFill>
+          <a:blip r:embed="rId4"/>
+          <a:stretch>
+            <a:fillRect/>
+          </a:stretch>
+        </p:blipFill>
+        <p:spPr>
+          <a:xfrm>
+            <a:off x="737020" y="3233835"/>
+            <a:ext cx="2698525" cy="1114230"/>
+          </a:xfrm>
+          <a:prstGeom prst="rect">
+            <a:avLst/>
+          </a:prstGeom>
+          <a:ln>
+            <a:solidFill>
+              <a:schemeClr val="accent1"/>
+            </a:solidFill>
+          </a:ln>
+        </p:spPr>
+      </p:pic>
+      <p:pic>
+        <p:nvPicPr>
+          <p:cNvPr id="8" name="그림 7">
+            <a:extLst>
+              <a:ext uri="{FF2B5EF4-FFF2-40B4-BE49-F238E27FC236}">
+                <a16:creationId xmlns:a16="http://schemas.microsoft.com/office/drawing/2014/main" id="{A2CEC7EA-F277-4FF0-8F8B-7A0F50108A33}"/>
+              </a:ext>
+            </a:extLst>
+          </p:cNvPr>
+          <p:cNvPicPr>
+            <a:picLocks noChangeAspect="1"/>
+          </p:cNvPicPr>
+          <p:nvPr/>
+        </p:nvPicPr>
+        <p:blipFill>
+          <a:blip r:embed="rId5"/>
+          <a:stretch>
+            <a:fillRect/>
+          </a:stretch>
+        </p:blipFill>
+        <p:spPr>
+          <a:xfrm>
+            <a:off x="7887986" y="373585"/>
+            <a:ext cx="3126569" cy="1252769"/>
+          </a:xfrm>
+          <a:prstGeom prst="rect">
+            <a:avLst/>
+          </a:prstGeom>
+          <a:ln>
+            <a:solidFill>
+              <a:schemeClr val="accent1"/>
+            </a:solidFill>
+          </a:ln>
+        </p:spPr>
+      </p:pic>
+      <p:pic>
+        <p:nvPicPr>
+          <p:cNvPr id="10" name="그림 9">
+            <a:extLst>
+              <a:ext uri="{FF2B5EF4-FFF2-40B4-BE49-F238E27FC236}">
+                <a16:creationId xmlns:a16="http://schemas.microsoft.com/office/drawing/2014/main" id="{E73AC8C2-2651-4C16-A76E-5D758FE5F7F3}"/>
+              </a:ext>
+            </a:extLst>
+          </p:cNvPr>
+          <p:cNvPicPr>
+            <a:picLocks noChangeAspect="1"/>
+          </p:cNvPicPr>
+          <p:nvPr/>
+        </p:nvPicPr>
+        <p:blipFill>
+          <a:blip r:embed="rId6"/>
+          <a:stretch>
+            <a:fillRect/>
+          </a:stretch>
+        </p:blipFill>
+        <p:spPr>
+          <a:xfrm>
+            <a:off x="3620181" y="3233835"/>
+            <a:ext cx="2603338" cy="1052985"/>
+          </a:xfrm>
+          <a:prstGeom prst="rect">
+            <a:avLst/>
+          </a:prstGeom>
+          <a:ln>
+            <a:solidFill>
+              <a:schemeClr val="accent1"/>
+            </a:solidFill>
+          </a:ln>
+        </p:spPr>
+      </p:pic>
+      <p:pic>
+        <p:nvPicPr>
+          <p:cNvPr id="11" name="그림 10">
+            <a:extLst>
+              <a:ext uri="{FF2B5EF4-FFF2-40B4-BE49-F238E27FC236}">
+                <a16:creationId xmlns:a16="http://schemas.microsoft.com/office/drawing/2014/main" id="{3BADD498-F838-42F1-B601-D9E40B13B611}"/>
+              </a:ext>
+            </a:extLst>
+          </p:cNvPr>
           <p:cNvPicPr>
             <a:picLocks noChangeAspect="1"/>
           </p:cNvPicPr>
@@ -3739,32 +4622,340 @@
         </p:blipFill>
         <p:spPr>
           <a:xfrm>
-            <a:off x="3857625" y="2724150"/>
-            <a:ext cx="4476750" cy="1409700"/>
+            <a:off x="737020" y="1626354"/>
+            <a:ext cx="3224706" cy="1038922"/>
           </a:xfrm>
           <a:prstGeom prst="rect">
             <a:avLst/>
           </a:prstGeom>
+          <a:ln>
+            <a:solidFill>
+              <a:schemeClr val="accent1"/>
+            </a:solidFill>
+          </a:ln>
         </p:spPr>
       </p:pic>
+      <p:sp>
+        <p:nvSpPr>
+          <p:cNvPr id="12" name="TextBox 11">
+            <a:extLst>
+              <a:ext uri="{FF2B5EF4-FFF2-40B4-BE49-F238E27FC236}">
+                <a16:creationId xmlns:a16="http://schemas.microsoft.com/office/drawing/2014/main" id="{AFC5BE43-C2D6-4119-BFDB-D2A947E61D9B}"/>
+              </a:ext>
+            </a:extLst>
+          </p:cNvPr>
+          <p:cNvSpPr txBox="1"/>
+          <p:nvPr/>
+        </p:nvSpPr>
+        <p:spPr>
+          <a:xfrm>
+            <a:off x="792398" y="1114191"/>
+            <a:ext cx="1827744" cy="369332"/>
+          </a:xfrm>
+          <a:prstGeom prst="rect">
+            <a:avLst/>
+          </a:prstGeom>
+          <a:noFill/>
+        </p:spPr>
+        <p:txBody>
+          <a:bodyPr wrap="none" rtlCol="0">
+            <a:spAutoFit/>
+          </a:bodyPr>
+          <a:lstStyle/>
+          <a:p>
+            <a:r>
+              <a:rPr lang="en-US" altLang="ko-KR" dirty="0"/>
+              <a:t>1. </a:t>
+            </a:r>
+            <a:r>
+              <a:rPr lang="ko-KR" altLang="en-US" dirty="0"/>
+              <a:t>숫자버튼 클릭</a:t>
+            </a:r>
+          </a:p>
+        </p:txBody>
+      </p:sp>
+      <p:sp>
+        <p:nvSpPr>
+          <p:cNvPr id="13" name="TextBox 12">
+            <a:extLst>
+              <a:ext uri="{FF2B5EF4-FFF2-40B4-BE49-F238E27FC236}">
+                <a16:creationId xmlns:a16="http://schemas.microsoft.com/office/drawing/2014/main" id="{BAA226D0-9572-4F3C-B7C3-E94D1E20EEF3}"/>
+              </a:ext>
+            </a:extLst>
+          </p:cNvPr>
+          <p:cNvSpPr txBox="1"/>
+          <p:nvPr/>
+        </p:nvSpPr>
+        <p:spPr>
+          <a:xfrm>
+            <a:off x="737020" y="2718023"/>
+            <a:ext cx="4105611" cy="369332"/>
+          </a:xfrm>
+          <a:prstGeom prst="rect">
+            <a:avLst/>
+          </a:prstGeom>
+          <a:noFill/>
+        </p:spPr>
+        <p:txBody>
+          <a:bodyPr wrap="none" rtlCol="0">
+            <a:spAutoFit/>
+          </a:bodyPr>
+          <a:lstStyle/>
+          <a:p>
+            <a:r>
+              <a:rPr lang="en-US" altLang="ko-KR" dirty="0"/>
+              <a:t>2. </a:t>
+            </a:r>
+            <a:r>
+              <a:rPr lang="ko-KR" altLang="en-US" dirty="0"/>
+              <a:t>범위를 벗어나는 숫자나 공백 제출 시</a:t>
+            </a:r>
+          </a:p>
+        </p:txBody>
+      </p:sp>
+      <p:sp>
+        <p:nvSpPr>
+          <p:cNvPr id="14" name="TextBox 13">
+            <a:extLst>
+              <a:ext uri="{FF2B5EF4-FFF2-40B4-BE49-F238E27FC236}">
+                <a16:creationId xmlns:a16="http://schemas.microsoft.com/office/drawing/2014/main" id="{9FCACF92-CE69-49C2-8025-D689003C75C0}"/>
+              </a:ext>
+            </a:extLst>
+          </p:cNvPr>
+          <p:cNvSpPr txBox="1"/>
+          <p:nvPr/>
+        </p:nvSpPr>
+        <p:spPr>
+          <a:xfrm>
+            <a:off x="691179" y="4465070"/>
+            <a:ext cx="2627642" cy="369332"/>
+          </a:xfrm>
+          <a:prstGeom prst="rect">
+            <a:avLst/>
+          </a:prstGeom>
+          <a:noFill/>
+        </p:spPr>
+        <p:txBody>
+          <a:bodyPr wrap="none" rtlCol="0">
+            <a:spAutoFit/>
+          </a:bodyPr>
+          <a:lstStyle/>
+          <a:p>
+            <a:r>
+              <a:rPr lang="en-US" altLang="ko-KR" dirty="0"/>
+              <a:t>2. alert </a:t>
+            </a:r>
+            <a:r>
+              <a:rPr lang="ko-KR" altLang="en-US" dirty="0"/>
+              <a:t>후 </a:t>
+            </a:r>
+            <a:r>
+              <a:rPr lang="en-US" altLang="ko-KR" dirty="0"/>
+              <a:t>prompt </a:t>
+            </a:r>
+            <a:r>
+              <a:rPr lang="ko-KR" altLang="en-US" dirty="0"/>
+              <a:t>재실행</a:t>
+            </a:r>
+          </a:p>
+        </p:txBody>
+      </p:sp>
+      <p:cxnSp>
+        <p:nvCxnSpPr>
+          <p:cNvPr id="15" name="직선 연결선 14">
+            <a:extLst>
+              <a:ext uri="{FF2B5EF4-FFF2-40B4-BE49-F238E27FC236}">
+                <a16:creationId xmlns:a16="http://schemas.microsoft.com/office/drawing/2014/main" id="{23071CE4-0DFF-44CE-A59F-C7186ADDBA35}"/>
+              </a:ext>
+            </a:extLst>
+          </p:cNvPr>
+          <p:cNvCxnSpPr/>
+          <p:nvPr/>
+        </p:nvCxnSpPr>
+        <p:spPr>
+          <a:xfrm>
+            <a:off x="6784121" y="524277"/>
+            <a:ext cx="0" cy="6013104"/>
+          </a:xfrm>
+          <a:prstGeom prst="line">
+            <a:avLst/>
+          </a:prstGeom>
+        </p:spPr>
+        <p:style>
+          <a:lnRef idx="1">
+            <a:schemeClr val="accent1"/>
+          </a:lnRef>
+          <a:fillRef idx="0">
+            <a:schemeClr val="accent1"/>
+          </a:fillRef>
+          <a:effectRef idx="0">
+            <a:schemeClr val="accent1"/>
+          </a:effectRef>
+          <a:fontRef idx="minor">
+            <a:schemeClr val="tx1"/>
+          </a:fontRef>
+        </p:style>
+      </p:cxnSp>
+    </p:spTree>
+    <p:extLst>
+      <p:ext uri="{BB962C8B-B14F-4D97-AF65-F5344CB8AC3E}">
+        <p14:creationId xmlns:p14="http://schemas.microsoft.com/office/powerpoint/2010/main" val="1026509939"/>
+      </p:ext>
+    </p:extLst>
+  </p:cSld>
+  <p:clrMapOvr>
+    <a:masterClrMapping/>
+  </p:clrMapOvr>
+</p:sld>
+</file>
+
+<file path=ppt/slides/slide5.xml><?xml version="1.0" encoding="utf-8"?>
+<p:sld xmlns:a="http://schemas.openxmlformats.org/drawingml/2006/main" xmlns:r="http://schemas.openxmlformats.org/officeDocument/2006/relationships" xmlns:p="http://schemas.openxmlformats.org/presentationml/2006/main">
+  <p:cSld>
+    <p:spTree>
+      <p:nvGrpSpPr>
+        <p:cNvPr id="1" name=""/>
+        <p:cNvGrpSpPr/>
+        <p:nvPr/>
+      </p:nvGrpSpPr>
+      <p:grpSpPr>
+        <a:xfrm>
+          <a:off x="0" y="0"/>
+          <a:ext cx="0" cy="0"/>
+          <a:chOff x="0" y="0"/>
+          <a:chExt cx="0" cy="0"/>
+        </a:xfrm>
+      </p:grpSpPr>
+      <p:sp>
+        <p:nvSpPr>
+          <p:cNvPr id="10" name="제목 3">
+            <a:extLst>
+              <a:ext uri="{FF2B5EF4-FFF2-40B4-BE49-F238E27FC236}">
+                <a16:creationId xmlns:a16="http://schemas.microsoft.com/office/drawing/2014/main" id="{DED4A79B-3958-4BCA-BB16-954CC6DE3247}"/>
+              </a:ext>
+            </a:extLst>
+          </p:cNvPr>
+          <p:cNvSpPr>
+            <a:spLocks noGrp="1"/>
+          </p:cNvSpPr>
+          <p:nvPr>
+            <p:ph type="title"/>
+          </p:nvPr>
+        </p:nvSpPr>
+        <p:spPr>
+          <a:xfrm>
+            <a:off x="353860" y="338203"/>
+            <a:ext cx="9875520" cy="775988"/>
+          </a:xfrm>
+        </p:spPr>
+        <p:txBody>
+          <a:bodyPr>
+            <a:normAutofit/>
+          </a:bodyPr>
+          <a:lstStyle/>
+          <a:p>
+            <a:r>
+              <a:rPr lang="ko-KR" altLang="en-US" sz="3200" b="1" dirty="0">
+                <a:latin typeface="+mj-ea"/>
+              </a:rPr>
+              <a:t>실습 </a:t>
+            </a:r>
+            <a:r>
+              <a:rPr lang="en-US" altLang="ko-KR" sz="3200" b="1" dirty="0">
+                <a:latin typeface="+mj-ea"/>
+              </a:rPr>
+              <a:t>2</a:t>
+            </a:r>
+            <a:endParaRPr lang="ko-KR" altLang="en-US" sz="3200" b="1" dirty="0">
+              <a:latin typeface="+mj-ea"/>
+            </a:endParaRPr>
+          </a:p>
+        </p:txBody>
+      </p:sp>
       <p:pic>
         <p:nvPicPr>
-          <p:cNvPr id="9" name="그림 8"/>
+          <p:cNvPr id="12" name="그림 11">
+            <a:extLst>
+              <a:ext uri="{FF2B5EF4-FFF2-40B4-BE49-F238E27FC236}">
+                <a16:creationId xmlns:a16="http://schemas.microsoft.com/office/drawing/2014/main" id="{36F7FA65-B16F-49D6-94DE-95EF48331360}"/>
+              </a:ext>
+            </a:extLst>
+          </p:cNvPr>
           <p:cNvPicPr>
             <a:picLocks noChangeAspect="1"/>
           </p:cNvPicPr>
           <p:nvPr/>
         </p:nvPicPr>
         <p:blipFill>
-          <a:blip r:embed="rId8"/>
+          <a:blip r:embed="rId2"/>
           <a:stretch>
             <a:fillRect/>
           </a:stretch>
         </p:blipFill>
         <p:spPr>
           <a:xfrm>
-            <a:off x="6892753" y="1189973"/>
-            <a:ext cx="3126569" cy="4847573"/>
+            <a:off x="545992" y="1504529"/>
+            <a:ext cx="4367430" cy="3660852"/>
+          </a:xfrm>
+          <a:prstGeom prst="rect">
+            <a:avLst/>
+          </a:prstGeom>
+        </p:spPr>
+      </p:pic>
+      <p:pic>
+        <p:nvPicPr>
+          <p:cNvPr id="14" name="그림 13">
+            <a:extLst>
+              <a:ext uri="{FF2B5EF4-FFF2-40B4-BE49-F238E27FC236}">
+                <a16:creationId xmlns:a16="http://schemas.microsoft.com/office/drawing/2014/main" id="{C06C7773-CC81-4C4D-B6A4-5C13904F0D3E}"/>
+              </a:ext>
+            </a:extLst>
+          </p:cNvPr>
+          <p:cNvPicPr>
+            <a:picLocks noChangeAspect="1"/>
+          </p:cNvPicPr>
+          <p:nvPr/>
+        </p:nvPicPr>
+        <p:blipFill>
+          <a:blip r:embed="rId3"/>
+          <a:stretch>
+            <a:fillRect/>
+          </a:stretch>
+        </p:blipFill>
+        <p:spPr>
+          <a:xfrm>
+            <a:off x="5431546" y="1504529"/>
+            <a:ext cx="2414708" cy="3660852"/>
+          </a:xfrm>
+          <a:prstGeom prst="rect">
+            <a:avLst/>
+          </a:prstGeom>
+        </p:spPr>
+      </p:pic>
+      <p:pic>
+        <p:nvPicPr>
+          <p:cNvPr id="16" name="그림 15">
+            <a:extLst>
+              <a:ext uri="{FF2B5EF4-FFF2-40B4-BE49-F238E27FC236}">
+                <a16:creationId xmlns:a16="http://schemas.microsoft.com/office/drawing/2014/main" id="{9E8A78DF-EF3A-406F-96CB-944368EF0171}"/>
+              </a:ext>
+            </a:extLst>
+          </p:cNvPr>
+          <p:cNvPicPr>
+            <a:picLocks noChangeAspect="1"/>
+          </p:cNvPicPr>
+          <p:nvPr/>
+        </p:nvPicPr>
+        <p:blipFill>
+          <a:blip r:embed="rId4"/>
+          <a:stretch>
+            <a:fillRect/>
+          </a:stretch>
+        </p:blipFill>
+        <p:spPr>
+          <a:xfrm>
+            <a:off x="8580773" y="1505129"/>
+            <a:ext cx="2160811" cy="3660252"/>
           </a:xfrm>
           <a:prstGeom prst="rect">
             <a:avLst/>
@@ -3784,7 +4975,113 @@
 </p:sld>
 </file>
 
-<file path=ppt/slides/slide4.xml><?xml version="1.0" encoding="utf-8"?>
+<file path=ppt/slides/slide6.xml><?xml version="1.0" encoding="utf-8"?>
+<p:sld xmlns:a="http://schemas.openxmlformats.org/drawingml/2006/main" xmlns:r="http://schemas.openxmlformats.org/officeDocument/2006/relationships" xmlns:p="http://schemas.openxmlformats.org/presentationml/2006/main">
+  <p:cSld>
+    <p:spTree>
+      <p:nvGrpSpPr>
+        <p:cNvPr id="1" name=""/>
+        <p:cNvGrpSpPr/>
+        <p:nvPr/>
+      </p:nvGrpSpPr>
+      <p:grpSpPr>
+        <a:xfrm>
+          <a:off x="0" y="0"/>
+          <a:ext cx="0" cy="0"/>
+          <a:chOff x="0" y="0"/>
+          <a:chExt cx="0" cy="0"/>
+        </a:xfrm>
+      </p:grpSpPr>
+      <p:pic>
+        <p:nvPicPr>
+          <p:cNvPr id="3" name="그림 2">
+            <a:extLst>
+              <a:ext uri="{FF2B5EF4-FFF2-40B4-BE49-F238E27FC236}">
+                <a16:creationId xmlns:a16="http://schemas.microsoft.com/office/drawing/2014/main" id="{AC9DF986-042D-43F3-ABE8-5ADB3712704F}"/>
+              </a:ext>
+            </a:extLst>
+          </p:cNvPr>
+          <p:cNvPicPr>
+            <a:picLocks noChangeAspect="1"/>
+          </p:cNvPicPr>
+          <p:nvPr/>
+        </p:nvPicPr>
+        <p:blipFill>
+          <a:blip r:embed="rId2"/>
+          <a:stretch>
+            <a:fillRect/>
+          </a:stretch>
+        </p:blipFill>
+        <p:spPr>
+          <a:xfrm>
+            <a:off x="3333653" y="726197"/>
+            <a:ext cx="5524693" cy="5524693"/>
+          </a:xfrm>
+          <a:prstGeom prst="rect">
+            <a:avLst/>
+          </a:prstGeom>
+        </p:spPr>
+      </p:pic>
+      <p:sp>
+        <p:nvSpPr>
+          <p:cNvPr id="4" name="제목 3">
+            <a:extLst>
+              <a:ext uri="{FF2B5EF4-FFF2-40B4-BE49-F238E27FC236}">
+                <a16:creationId xmlns:a16="http://schemas.microsoft.com/office/drawing/2014/main" id="{A36B8789-AE5B-427A-984E-DC135FEE1106}"/>
+              </a:ext>
+            </a:extLst>
+          </p:cNvPr>
+          <p:cNvSpPr>
+            <a:spLocks noGrp="1"/>
+          </p:cNvSpPr>
+          <p:nvPr>
+            <p:ph type="title"/>
+          </p:nvPr>
+        </p:nvSpPr>
+        <p:spPr>
+          <a:xfrm>
+            <a:off x="353860" y="338203"/>
+            <a:ext cx="9875520" cy="775988"/>
+          </a:xfrm>
+        </p:spPr>
+        <p:txBody>
+          <a:bodyPr>
+            <a:normAutofit/>
+          </a:bodyPr>
+          <a:lstStyle/>
+          <a:p>
+            <a:r>
+              <a:rPr lang="ko-KR" altLang="en-US" sz="3200" b="1" dirty="0">
+                <a:latin typeface="+mj-ea"/>
+              </a:rPr>
+              <a:t>실습 </a:t>
+            </a:r>
+            <a:r>
+              <a:rPr lang="en-US" altLang="ko-KR" sz="3200" b="1" dirty="0">
+                <a:latin typeface="+mj-ea"/>
+              </a:rPr>
+              <a:t>2</a:t>
+            </a:r>
+            <a:endParaRPr lang="ko-KR" altLang="en-US" sz="3200" b="1" dirty="0">
+              <a:latin typeface="+mj-ea"/>
+            </a:endParaRPr>
+          </a:p>
+        </p:txBody>
+      </p:sp>
+    </p:spTree>
+    <p:extLst>
+      <p:ext uri="{BB962C8B-B14F-4D97-AF65-F5344CB8AC3E}">
+        <p14:creationId xmlns:p14="http://schemas.microsoft.com/office/powerpoint/2010/main" val="3797001943"/>
+      </p:ext>
+    </p:extLst>
+  </p:cSld>
+  <p:clrMapOvr>
+    <a:masterClrMapping/>
+  </p:clrMapOvr>
+</p:sld>
+</file>
+
+<file path=ppt/slides/slide7.xml><?xml version="1.0" encoding="utf-8"?>
 <p:sld xmlns:a="http://schemas.openxmlformats.org/drawingml/2006/main" xmlns:r="http://schemas.openxmlformats.org/officeDocument/2006/relationships" xmlns:p="http://schemas.openxmlformats.org/presentationml/2006/main">
   <p:cSld>
     <p:spTree>
@@ -3848,7 +5145,7 @@
           <a:lstStyle/>
           <a:p>
             <a:r>
-              <a:rPr lang="ko-KR" altLang="en-US" sz="3200" b="1" dirty="0" smtClean="0">
+              <a:rPr lang="ko-KR" altLang="en-US" sz="3200" b="1" dirty="0">
                 <a:latin typeface="+mj-ea"/>
               </a:rPr>
               <a:t>실습 </a:t>
@@ -3857,7 +5154,7 @@
               <a:rPr lang="en-US" altLang="ko-KR" sz="3200" b="1" dirty="0">
                 <a:latin typeface="+mj-ea"/>
               </a:rPr>
-              <a:t>2</a:t>
+              <a:t>3</a:t>
             </a:r>
             <a:endParaRPr lang="ko-KR" altLang="en-US" sz="3200" b="1" dirty="0">
               <a:latin typeface="+mj-ea"/>
@@ -4112,7 +5409,7 @@
 </p:sld>
 </file>
 
-<file path=ppt/slides/slide5.xml><?xml version="1.0" encoding="utf-8"?>
+<file path=ppt/slides/slide8.xml><?xml version="1.0" encoding="utf-8"?>
 <p:sld xmlns:a="http://schemas.openxmlformats.org/drawingml/2006/main" xmlns:r="http://schemas.openxmlformats.org/officeDocument/2006/relationships" xmlns:p="http://schemas.openxmlformats.org/presentationml/2006/main">
   <p:cSld>
     <p:spTree>
@@ -4131,7 +5428,13 @@
       </p:grpSpPr>
       <p:sp>
         <p:nvSpPr>
-          <p:cNvPr id="2" name="제목 1"/>
+          <p:cNvPr id="6" name="제목 3">
+            <a:extLst>
+              <a:ext uri="{FF2B5EF4-FFF2-40B4-BE49-F238E27FC236}">
+                <a16:creationId xmlns:a16="http://schemas.microsoft.com/office/drawing/2014/main" id="{5C140BB8-5238-47E4-AA00-B6967E57665F}"/>
+              </a:ext>
+            </a:extLst>
+          </p:cNvPr>
           <p:cNvSpPr>
             <a:spLocks noGrp="1"/>
           </p:cNvSpPr>
@@ -4139,19 +5442,266 @@
             <p:ph type="title"/>
           </p:nvPr>
         </p:nvSpPr>
-        <p:spPr/>
-        <p:txBody>
-          <a:bodyPr/>
-          <a:lstStyle/>
-          <a:p>
-            <a:endParaRPr lang="ko-KR" altLang="en-US"/>
-          </a:p>
-        </p:txBody>
-      </p:sp>
+        <p:spPr>
+          <a:xfrm>
+            <a:off x="353860" y="338203"/>
+            <a:ext cx="9875520" cy="775988"/>
+          </a:xfrm>
+        </p:spPr>
+        <p:txBody>
+          <a:bodyPr>
+            <a:normAutofit/>
+          </a:bodyPr>
+          <a:lstStyle/>
+          <a:p>
+            <a:r>
+              <a:rPr lang="ko-KR" altLang="en-US" sz="3200" b="1" dirty="0">
+                <a:latin typeface="+mj-ea"/>
+              </a:rPr>
+              <a:t>실습 </a:t>
+            </a:r>
+            <a:r>
+              <a:rPr lang="en-US" altLang="ko-KR" sz="3200" b="1" dirty="0">
+                <a:latin typeface="+mj-ea"/>
+              </a:rPr>
+              <a:t>4</a:t>
+            </a:r>
+            <a:endParaRPr lang="ko-KR" altLang="en-US" sz="3200" b="1" dirty="0">
+              <a:latin typeface="+mj-ea"/>
+            </a:endParaRPr>
+          </a:p>
+        </p:txBody>
+      </p:sp>
+      <p:pic>
+        <p:nvPicPr>
+          <p:cNvPr id="8" name="그림 7">
+            <a:extLst>
+              <a:ext uri="{FF2B5EF4-FFF2-40B4-BE49-F238E27FC236}">
+                <a16:creationId xmlns:a16="http://schemas.microsoft.com/office/drawing/2014/main" id="{1D0FE7FE-FF49-4F8F-BAED-2FFF14F1CCB3}"/>
+              </a:ext>
+            </a:extLst>
+          </p:cNvPr>
+          <p:cNvPicPr>
+            <a:picLocks noChangeAspect="1"/>
+          </p:cNvPicPr>
+          <p:nvPr/>
+        </p:nvPicPr>
+        <p:blipFill>
+          <a:blip r:embed="rId2"/>
+          <a:stretch>
+            <a:fillRect/>
+          </a:stretch>
+        </p:blipFill>
+        <p:spPr>
+          <a:xfrm>
+            <a:off x="736523" y="1565918"/>
+            <a:ext cx="5385484" cy="4209732"/>
+          </a:xfrm>
+          <a:prstGeom prst="rect">
+            <a:avLst/>
+          </a:prstGeom>
+        </p:spPr>
+      </p:pic>
+      <p:pic>
+        <p:nvPicPr>
+          <p:cNvPr id="10" name="그림 9">
+            <a:extLst>
+              <a:ext uri="{FF2B5EF4-FFF2-40B4-BE49-F238E27FC236}">
+                <a16:creationId xmlns:a16="http://schemas.microsoft.com/office/drawing/2014/main" id="{766EFF43-2895-47AD-B641-77FC21DE59BA}"/>
+              </a:ext>
+            </a:extLst>
+          </p:cNvPr>
+          <p:cNvPicPr>
+            <a:picLocks noChangeAspect="1"/>
+          </p:cNvPicPr>
+          <p:nvPr/>
+        </p:nvPicPr>
+        <p:blipFill>
+          <a:blip r:embed="rId3"/>
+          <a:stretch>
+            <a:fillRect/>
+          </a:stretch>
+        </p:blipFill>
+        <p:spPr>
+          <a:xfrm>
+            <a:off x="6662055" y="1535867"/>
+            <a:ext cx="4627985" cy="4239783"/>
+          </a:xfrm>
+          <a:prstGeom prst="rect">
+            <a:avLst/>
+          </a:prstGeom>
+        </p:spPr>
+      </p:pic>
     </p:spTree>
     <p:extLst>
       <p:ext uri="{BB962C8B-B14F-4D97-AF65-F5344CB8AC3E}">
         <p14:creationId xmlns:p14="http://schemas.microsoft.com/office/powerpoint/2010/main" val="1849731142"/>
+      </p:ext>
+    </p:extLst>
+  </p:cSld>
+  <p:clrMapOvr>
+    <a:masterClrMapping/>
+  </p:clrMapOvr>
+</p:sld>
+</file>
+
+<file path=ppt/slides/slide9.xml><?xml version="1.0" encoding="utf-8"?>
+<p:sld xmlns:a="http://schemas.openxmlformats.org/drawingml/2006/main" xmlns:r="http://schemas.openxmlformats.org/officeDocument/2006/relationships" xmlns:p="http://schemas.openxmlformats.org/presentationml/2006/main">
+  <p:cSld>
+    <p:spTree>
+      <p:nvGrpSpPr>
+        <p:cNvPr id="1" name=""/>
+        <p:cNvGrpSpPr/>
+        <p:nvPr/>
+      </p:nvGrpSpPr>
+      <p:grpSpPr>
+        <a:xfrm>
+          <a:off x="0" y="0"/>
+          <a:ext cx="0" cy="0"/>
+          <a:chOff x="0" y="0"/>
+          <a:chExt cx="0" cy="0"/>
+        </a:xfrm>
+      </p:grpSpPr>
+      <p:sp>
+        <p:nvSpPr>
+          <p:cNvPr id="6" name="제목 3">
+            <a:extLst>
+              <a:ext uri="{FF2B5EF4-FFF2-40B4-BE49-F238E27FC236}">
+                <a16:creationId xmlns:a16="http://schemas.microsoft.com/office/drawing/2014/main" id="{5C140BB8-5238-47E4-AA00-B6967E57665F}"/>
+              </a:ext>
+            </a:extLst>
+          </p:cNvPr>
+          <p:cNvSpPr>
+            <a:spLocks noGrp="1"/>
+          </p:cNvSpPr>
+          <p:nvPr>
+            <p:ph type="title"/>
+          </p:nvPr>
+        </p:nvSpPr>
+        <p:spPr>
+          <a:xfrm>
+            <a:off x="353860" y="338203"/>
+            <a:ext cx="9875520" cy="775988"/>
+          </a:xfrm>
+        </p:spPr>
+        <p:txBody>
+          <a:bodyPr>
+            <a:normAutofit/>
+          </a:bodyPr>
+          <a:lstStyle/>
+          <a:p>
+            <a:r>
+              <a:rPr lang="ko-KR" altLang="en-US" sz="3200" b="1" dirty="0">
+                <a:latin typeface="+mj-ea"/>
+              </a:rPr>
+              <a:t>실습 </a:t>
+            </a:r>
+            <a:r>
+              <a:rPr lang="en-US" altLang="ko-KR" sz="3200" b="1" dirty="0">
+                <a:latin typeface="+mj-ea"/>
+              </a:rPr>
+              <a:t>4</a:t>
+            </a:r>
+            <a:endParaRPr lang="ko-KR" altLang="en-US" sz="3200" b="1" dirty="0">
+              <a:latin typeface="+mj-ea"/>
+            </a:endParaRPr>
+          </a:p>
+        </p:txBody>
+      </p:sp>
+      <p:pic>
+        <p:nvPicPr>
+          <p:cNvPr id="4" name="그림 3">
+            <a:extLst>
+              <a:ext uri="{FF2B5EF4-FFF2-40B4-BE49-F238E27FC236}">
+                <a16:creationId xmlns:a16="http://schemas.microsoft.com/office/drawing/2014/main" id="{B0B1927A-04F3-4E97-B126-6232F2CA9EA1}"/>
+              </a:ext>
+            </a:extLst>
+          </p:cNvPr>
+          <p:cNvPicPr>
+            <a:picLocks noChangeAspect="1"/>
+          </p:cNvPicPr>
+          <p:nvPr/>
+        </p:nvPicPr>
+        <p:blipFill>
+          <a:blip r:embed="rId2"/>
+          <a:stretch>
+            <a:fillRect/>
+          </a:stretch>
+        </p:blipFill>
+        <p:spPr>
+          <a:xfrm>
+            <a:off x="2003169" y="4766983"/>
+            <a:ext cx="8185662" cy="1129963"/>
+          </a:xfrm>
+          <a:prstGeom prst="rect">
+            <a:avLst/>
+          </a:prstGeom>
+        </p:spPr>
+      </p:pic>
+      <p:pic>
+        <p:nvPicPr>
+          <p:cNvPr id="5" name="그림 4">
+            <a:extLst>
+              <a:ext uri="{FF2B5EF4-FFF2-40B4-BE49-F238E27FC236}">
+                <a16:creationId xmlns:a16="http://schemas.microsoft.com/office/drawing/2014/main" id="{A3A896D9-185A-4831-B7C9-A0C60A43457C}"/>
+              </a:ext>
+            </a:extLst>
+          </p:cNvPr>
+          <p:cNvPicPr>
+            <a:picLocks noChangeAspect="1"/>
+          </p:cNvPicPr>
+          <p:nvPr/>
+        </p:nvPicPr>
+        <p:blipFill>
+          <a:blip r:embed="rId3"/>
+          <a:stretch>
+            <a:fillRect/>
+          </a:stretch>
+        </p:blipFill>
+        <p:spPr>
+          <a:xfrm>
+            <a:off x="2003169" y="3069960"/>
+            <a:ext cx="8330195" cy="1208798"/>
+          </a:xfrm>
+          <a:prstGeom prst="rect">
+            <a:avLst/>
+          </a:prstGeom>
+        </p:spPr>
+      </p:pic>
+      <p:pic>
+        <p:nvPicPr>
+          <p:cNvPr id="7" name="그림 6">
+            <a:extLst>
+              <a:ext uri="{FF2B5EF4-FFF2-40B4-BE49-F238E27FC236}">
+                <a16:creationId xmlns:a16="http://schemas.microsoft.com/office/drawing/2014/main" id="{931C9EDD-93ED-43B0-B739-E55B6BF361E9}"/>
+              </a:ext>
+            </a:extLst>
+          </p:cNvPr>
+          <p:cNvPicPr>
+            <a:picLocks noChangeAspect="1"/>
+          </p:cNvPicPr>
+          <p:nvPr/>
+        </p:nvPicPr>
+        <p:blipFill>
+          <a:blip r:embed="rId4"/>
+          <a:stretch>
+            <a:fillRect/>
+          </a:stretch>
+        </p:blipFill>
+        <p:spPr>
+          <a:xfrm>
+            <a:off x="2003169" y="1593086"/>
+            <a:ext cx="8382751" cy="1208798"/>
+          </a:xfrm>
+          <a:prstGeom prst="rect">
+            <a:avLst/>
+          </a:prstGeom>
+        </p:spPr>
+      </p:pic>
+    </p:spTree>
+    <p:extLst>
+      <p:ext uri="{BB962C8B-B14F-4D97-AF65-F5344CB8AC3E}">
+        <p14:creationId xmlns:p14="http://schemas.microsoft.com/office/powerpoint/2010/main" val="3971059159"/>
       </p:ext>
     </p:extLst>
   </p:cSld>
